--- a/Lab-Designs.pptx
+++ b/Lab-Designs.pptx
@@ -6,7 +6,9 @@
   </p:sldMasterIdLst>
   <p:sldIdLst>
     <p:sldId id="267" r:id="rId2"/>
-    <p:sldId id="256" r:id="rId3"/>
+    <p:sldId id="268" r:id="rId3"/>
+    <p:sldId id="270" r:id="rId4"/>
+    <p:sldId id="256" r:id="rId5"/>
   </p:sldIdLst>
   <p:sldSz cx="9144000" cy="6858000" type="screen4x3"/>
   <p:notesSz cx="6858000" cy="9144000"/>
@@ -3130,6 +3132,1481 @@
           <a:chExt cx="0" cy="0"/>
         </a:xfrm>
       </p:grpSpPr>
+      <p:sp>
+        <p:nvSpPr>
+          <p:cNvPr id="4" name="Rectangle 3"/>
+          <p:cNvSpPr/>
+          <p:nvPr/>
+        </p:nvSpPr>
+        <p:spPr>
+          <a:xfrm>
+            <a:off x="6516216" y="270027"/>
+            <a:ext cx="1296144" cy="936104"/>
+          </a:xfrm>
+          <a:prstGeom prst="rect">
+            <a:avLst/>
+          </a:prstGeom>
+        </p:spPr>
+        <p:style>
+          <a:lnRef idx="2">
+            <a:schemeClr val="accent1">
+              <a:shade val="50000"/>
+            </a:schemeClr>
+          </a:lnRef>
+          <a:fillRef idx="1">
+            <a:schemeClr val="accent1"/>
+          </a:fillRef>
+          <a:effectRef idx="0">
+            <a:schemeClr val="accent1"/>
+          </a:effectRef>
+          <a:fontRef idx="minor">
+            <a:schemeClr val="lt1"/>
+          </a:fontRef>
+        </p:style>
+        <p:txBody>
+          <a:bodyPr rtlCol="0" anchor="ctr"/>
+          <a:lstStyle/>
+          <a:p>
+            <a:pPr algn="ctr"/>
+            <a:r>
+              <a:rPr lang="en-US" dirty="0" err="1" smtClean="0"/>
+              <a:t>CartMS</a:t>
+            </a:r>
+            <a:endParaRPr lang="en-IN" dirty="0"/>
+          </a:p>
+        </p:txBody>
+      </p:sp>
+      <p:sp>
+        <p:nvSpPr>
+          <p:cNvPr id="5" name="Rectangle 4"/>
+          <p:cNvSpPr/>
+          <p:nvPr/>
+        </p:nvSpPr>
+        <p:spPr>
+          <a:xfrm>
+            <a:off x="6516216" y="1645733"/>
+            <a:ext cx="1296144" cy="936104"/>
+          </a:xfrm>
+          <a:prstGeom prst="rect">
+            <a:avLst/>
+          </a:prstGeom>
+        </p:spPr>
+        <p:style>
+          <a:lnRef idx="2">
+            <a:schemeClr val="accent1">
+              <a:shade val="50000"/>
+            </a:schemeClr>
+          </a:lnRef>
+          <a:fillRef idx="1">
+            <a:schemeClr val="accent1"/>
+          </a:fillRef>
+          <a:effectRef idx="0">
+            <a:schemeClr val="accent1"/>
+          </a:effectRef>
+          <a:fontRef idx="minor">
+            <a:schemeClr val="lt1"/>
+          </a:fontRef>
+        </p:style>
+        <p:txBody>
+          <a:bodyPr rtlCol="0" anchor="ctr"/>
+          <a:lstStyle/>
+          <a:p>
+            <a:pPr algn="ctr"/>
+            <a:r>
+              <a:rPr lang="en-US" dirty="0" smtClean="0"/>
+              <a:t>Payment MS</a:t>
+            </a:r>
+            <a:endParaRPr lang="en-IN" dirty="0"/>
+          </a:p>
+        </p:txBody>
+      </p:sp>
+      <p:sp>
+        <p:nvSpPr>
+          <p:cNvPr id="6" name="Rectangle 5"/>
+          <p:cNvSpPr/>
+          <p:nvPr/>
+        </p:nvSpPr>
+        <p:spPr>
+          <a:xfrm>
+            <a:off x="6480212" y="3010609"/>
+            <a:ext cx="1296144" cy="936104"/>
+          </a:xfrm>
+          <a:prstGeom prst="rect">
+            <a:avLst/>
+          </a:prstGeom>
+        </p:spPr>
+        <p:style>
+          <a:lnRef idx="2">
+            <a:schemeClr val="accent1">
+              <a:shade val="50000"/>
+            </a:schemeClr>
+          </a:lnRef>
+          <a:fillRef idx="1">
+            <a:schemeClr val="accent1"/>
+          </a:fillRef>
+          <a:effectRef idx="0">
+            <a:schemeClr val="accent1"/>
+          </a:effectRef>
+          <a:fontRef idx="minor">
+            <a:schemeClr val="lt1"/>
+          </a:fontRef>
+        </p:style>
+        <p:txBody>
+          <a:bodyPr rtlCol="0" anchor="ctr"/>
+          <a:lstStyle/>
+          <a:p>
+            <a:pPr algn="ctr"/>
+            <a:r>
+              <a:rPr lang="en-US" dirty="0" err="1" smtClean="0"/>
+              <a:t>SearchMS</a:t>
+            </a:r>
+            <a:endParaRPr lang="en-IN" dirty="0"/>
+          </a:p>
+        </p:txBody>
+      </p:sp>
+      <p:sp>
+        <p:nvSpPr>
+          <p:cNvPr id="7" name="Rectangle 6"/>
+          <p:cNvSpPr/>
+          <p:nvPr/>
+        </p:nvSpPr>
+        <p:spPr>
+          <a:xfrm>
+            <a:off x="6516216" y="4329100"/>
+            <a:ext cx="1296144" cy="936104"/>
+          </a:xfrm>
+          <a:prstGeom prst="rect">
+            <a:avLst/>
+          </a:prstGeom>
+        </p:spPr>
+        <p:style>
+          <a:lnRef idx="2">
+            <a:schemeClr val="accent1">
+              <a:shade val="50000"/>
+            </a:schemeClr>
+          </a:lnRef>
+          <a:fillRef idx="1">
+            <a:schemeClr val="accent1"/>
+          </a:fillRef>
+          <a:effectRef idx="0">
+            <a:schemeClr val="accent1"/>
+          </a:effectRef>
+          <a:fontRef idx="minor">
+            <a:schemeClr val="lt1"/>
+          </a:fontRef>
+        </p:style>
+        <p:txBody>
+          <a:bodyPr rtlCol="0" anchor="ctr"/>
+          <a:lstStyle/>
+          <a:p>
+            <a:pPr algn="ctr"/>
+            <a:r>
+              <a:rPr lang="en-US" dirty="0" err="1" smtClean="0"/>
+              <a:t>ProductMs</a:t>
+            </a:r>
+            <a:endParaRPr lang="en-IN" dirty="0"/>
+          </a:p>
+        </p:txBody>
+      </p:sp>
+      <p:sp>
+        <p:nvSpPr>
+          <p:cNvPr id="8" name="Rectangle 7"/>
+          <p:cNvSpPr/>
+          <p:nvPr/>
+        </p:nvSpPr>
+        <p:spPr>
+          <a:xfrm>
+            <a:off x="6516216" y="5659110"/>
+            <a:ext cx="1296144" cy="936104"/>
+          </a:xfrm>
+          <a:prstGeom prst="rect">
+            <a:avLst/>
+          </a:prstGeom>
+        </p:spPr>
+        <p:style>
+          <a:lnRef idx="2">
+            <a:schemeClr val="accent1">
+              <a:shade val="50000"/>
+            </a:schemeClr>
+          </a:lnRef>
+          <a:fillRef idx="1">
+            <a:schemeClr val="accent1"/>
+          </a:fillRef>
+          <a:effectRef idx="0">
+            <a:schemeClr val="accent1"/>
+          </a:effectRef>
+          <a:fontRef idx="minor">
+            <a:schemeClr val="lt1"/>
+          </a:fontRef>
+        </p:style>
+        <p:txBody>
+          <a:bodyPr rtlCol="0" anchor="ctr"/>
+          <a:lstStyle/>
+          <a:p>
+            <a:pPr algn="ctr"/>
+            <a:r>
+              <a:rPr lang="en-US" dirty="0" err="1" smtClean="0"/>
+              <a:t>DiscountMS</a:t>
+            </a:r>
+            <a:endParaRPr lang="en-IN" dirty="0"/>
+          </a:p>
+        </p:txBody>
+      </p:sp>
+      <p:sp>
+        <p:nvSpPr>
+          <p:cNvPr id="9" name="Rectangle 8"/>
+          <p:cNvSpPr/>
+          <p:nvPr/>
+        </p:nvSpPr>
+        <p:spPr>
+          <a:xfrm>
+            <a:off x="5580112" y="116632"/>
+            <a:ext cx="1296144" cy="936104"/>
+          </a:xfrm>
+          <a:prstGeom prst="rect">
+            <a:avLst/>
+          </a:prstGeom>
+          <a:solidFill>
+            <a:schemeClr val="accent2"/>
+          </a:solidFill>
+        </p:spPr>
+        <p:style>
+          <a:lnRef idx="2">
+            <a:schemeClr val="accent1">
+              <a:shade val="50000"/>
+            </a:schemeClr>
+          </a:lnRef>
+          <a:fillRef idx="1">
+            <a:schemeClr val="accent1"/>
+          </a:fillRef>
+          <a:effectRef idx="0">
+            <a:schemeClr val="accent1"/>
+          </a:effectRef>
+          <a:fontRef idx="minor">
+            <a:schemeClr val="lt1"/>
+          </a:fontRef>
+        </p:style>
+        <p:txBody>
+          <a:bodyPr rtlCol="0" anchor="ctr"/>
+          <a:lstStyle/>
+          <a:p>
+            <a:pPr algn="ctr"/>
+            <a:r>
+              <a:rPr lang="en-US" dirty="0" err="1"/>
+              <a:t>CartMS</a:t>
+            </a:r>
+            <a:endParaRPr lang="en-IN" dirty="0"/>
+          </a:p>
+        </p:txBody>
+      </p:sp>
+      <p:sp>
+        <p:nvSpPr>
+          <p:cNvPr id="10" name="Rectangle 9"/>
+          <p:cNvSpPr/>
+          <p:nvPr/>
+        </p:nvSpPr>
+        <p:spPr>
+          <a:xfrm>
+            <a:off x="4499992" y="404664"/>
+            <a:ext cx="1296144" cy="936104"/>
+          </a:xfrm>
+          <a:prstGeom prst="rect">
+            <a:avLst/>
+          </a:prstGeom>
+        </p:spPr>
+        <p:style>
+          <a:lnRef idx="2">
+            <a:schemeClr val="accent1">
+              <a:shade val="50000"/>
+            </a:schemeClr>
+          </a:lnRef>
+          <a:fillRef idx="1">
+            <a:schemeClr val="accent1"/>
+          </a:fillRef>
+          <a:effectRef idx="0">
+            <a:schemeClr val="accent1"/>
+          </a:effectRef>
+          <a:fontRef idx="minor">
+            <a:schemeClr val="lt1"/>
+          </a:fontRef>
+        </p:style>
+        <p:txBody>
+          <a:bodyPr rtlCol="0" anchor="ctr"/>
+          <a:lstStyle/>
+          <a:p>
+            <a:pPr algn="ctr"/>
+            <a:r>
+              <a:rPr lang="en-US" dirty="0" err="1"/>
+              <a:t>CartMS</a:t>
+            </a:r>
+            <a:endParaRPr lang="en-IN" dirty="0"/>
+          </a:p>
+        </p:txBody>
+      </p:sp>
+      <p:sp>
+        <p:nvSpPr>
+          <p:cNvPr id="11" name="Rectangle 10"/>
+          <p:cNvSpPr/>
+          <p:nvPr/>
+        </p:nvSpPr>
+        <p:spPr>
+          <a:xfrm>
+            <a:off x="1553688" y="2217313"/>
+            <a:ext cx="3054316" cy="1707569"/>
+          </a:xfrm>
+          <a:prstGeom prst="rect">
+            <a:avLst/>
+          </a:prstGeom>
+        </p:spPr>
+        <p:style>
+          <a:lnRef idx="2">
+            <a:schemeClr val="accent6"/>
+          </a:lnRef>
+          <a:fillRef idx="1">
+            <a:schemeClr val="lt1"/>
+          </a:fillRef>
+          <a:effectRef idx="0">
+            <a:schemeClr val="accent6"/>
+          </a:effectRef>
+          <a:fontRef idx="minor">
+            <a:schemeClr val="dk1"/>
+          </a:fontRef>
+        </p:style>
+        <p:txBody>
+          <a:bodyPr rtlCol="0" anchor="ctr"/>
+          <a:lstStyle/>
+          <a:p>
+            <a:pPr algn="ctr"/>
+            <a:r>
+              <a:rPr lang="en-US" b="1" dirty="0" smtClean="0"/>
+              <a:t>Spring Cloud </a:t>
+            </a:r>
+            <a:r>
+              <a:rPr lang="en-US" b="1" dirty="0" err="1" smtClean="0"/>
+              <a:t>Config</a:t>
+            </a:r>
+            <a:endParaRPr lang="en-IN" b="1" dirty="0"/>
+          </a:p>
+        </p:txBody>
+      </p:sp>
+      <p:sp>
+        <p:nvSpPr>
+          <p:cNvPr id="12" name="Oval 11"/>
+          <p:cNvSpPr/>
+          <p:nvPr/>
+        </p:nvSpPr>
+        <p:spPr>
+          <a:xfrm>
+            <a:off x="971600" y="5013176"/>
+            <a:ext cx="2232248" cy="864096"/>
+          </a:xfrm>
+          <a:prstGeom prst="ellipse">
+            <a:avLst/>
+          </a:prstGeom>
+        </p:spPr>
+        <p:style>
+          <a:lnRef idx="2">
+            <a:schemeClr val="accent1">
+              <a:shade val="50000"/>
+            </a:schemeClr>
+          </a:lnRef>
+          <a:fillRef idx="1">
+            <a:schemeClr val="accent1"/>
+          </a:fillRef>
+          <a:effectRef idx="0">
+            <a:schemeClr val="accent1"/>
+          </a:effectRef>
+          <a:fontRef idx="minor">
+            <a:schemeClr val="lt1"/>
+          </a:fontRef>
+        </p:style>
+        <p:txBody>
+          <a:bodyPr rtlCol="0" anchor="ctr"/>
+          <a:lstStyle/>
+          <a:p>
+            <a:pPr algn="ctr"/>
+            <a:r>
+              <a:rPr lang="en-US" dirty="0" smtClean="0"/>
+              <a:t>GIT</a:t>
+            </a:r>
+            <a:endParaRPr lang="en-IN" dirty="0"/>
+          </a:p>
+        </p:txBody>
+      </p:sp>
+      <p:cxnSp>
+        <p:nvCxnSpPr>
+          <p:cNvPr id="16" name="Straight Arrow Connector 15"/>
+          <p:cNvCxnSpPr>
+            <a:stCxn id="5" idx="1"/>
+          </p:cNvCxnSpPr>
+          <p:nvPr/>
+        </p:nvCxnSpPr>
+        <p:spPr>
+          <a:xfrm flipH="1">
+            <a:off x="4644008" y="2113785"/>
+            <a:ext cx="1872208" cy="468052"/>
+          </a:xfrm>
+          <a:prstGeom prst="straightConnector1">
+            <a:avLst/>
+          </a:prstGeom>
+          <a:ln>
+            <a:tailEnd type="triangle"/>
+          </a:ln>
+        </p:spPr>
+        <p:style>
+          <a:lnRef idx="1">
+            <a:schemeClr val="accent1"/>
+          </a:lnRef>
+          <a:fillRef idx="0">
+            <a:schemeClr val="accent1"/>
+          </a:fillRef>
+          <a:effectRef idx="0">
+            <a:schemeClr val="accent1"/>
+          </a:effectRef>
+          <a:fontRef idx="minor">
+            <a:schemeClr val="tx1"/>
+          </a:fontRef>
+        </p:style>
+      </p:cxnSp>
+      <p:cxnSp>
+        <p:nvCxnSpPr>
+          <p:cNvPr id="18" name="Straight Arrow Connector 17"/>
+          <p:cNvCxnSpPr>
+            <a:stCxn id="6" idx="1"/>
+          </p:cNvCxnSpPr>
+          <p:nvPr/>
+        </p:nvCxnSpPr>
+        <p:spPr>
+          <a:xfrm flipH="1" flipV="1">
+            <a:off x="4608004" y="3440519"/>
+            <a:ext cx="1872208" cy="38142"/>
+          </a:xfrm>
+          <a:prstGeom prst="straightConnector1">
+            <a:avLst/>
+          </a:prstGeom>
+          <a:ln>
+            <a:tailEnd type="triangle"/>
+          </a:ln>
+        </p:spPr>
+        <p:style>
+          <a:lnRef idx="1">
+            <a:schemeClr val="accent1"/>
+          </a:lnRef>
+          <a:fillRef idx="0">
+            <a:schemeClr val="accent1"/>
+          </a:fillRef>
+          <a:effectRef idx="0">
+            <a:schemeClr val="accent1"/>
+          </a:effectRef>
+          <a:fontRef idx="minor">
+            <a:schemeClr val="tx1"/>
+          </a:fontRef>
+        </p:style>
+      </p:cxnSp>
+      <p:cxnSp>
+        <p:nvCxnSpPr>
+          <p:cNvPr id="20" name="Straight Arrow Connector 19"/>
+          <p:cNvCxnSpPr>
+            <a:stCxn id="7" idx="1"/>
+          </p:cNvCxnSpPr>
+          <p:nvPr/>
+        </p:nvCxnSpPr>
+        <p:spPr>
+          <a:xfrm flipH="1" flipV="1">
+            <a:off x="4644008" y="3935194"/>
+            <a:ext cx="1872208" cy="861958"/>
+          </a:xfrm>
+          <a:prstGeom prst="straightConnector1">
+            <a:avLst/>
+          </a:prstGeom>
+          <a:ln>
+            <a:tailEnd type="triangle"/>
+          </a:ln>
+        </p:spPr>
+        <p:style>
+          <a:lnRef idx="1">
+            <a:schemeClr val="accent1"/>
+          </a:lnRef>
+          <a:fillRef idx="0">
+            <a:schemeClr val="accent1"/>
+          </a:fillRef>
+          <a:effectRef idx="0">
+            <a:schemeClr val="accent1"/>
+          </a:effectRef>
+          <a:fontRef idx="minor">
+            <a:schemeClr val="tx1"/>
+          </a:fontRef>
+        </p:style>
+      </p:cxnSp>
+      <p:cxnSp>
+        <p:nvCxnSpPr>
+          <p:cNvPr id="22" name="Straight Arrow Connector 21"/>
+          <p:cNvCxnSpPr/>
+          <p:nvPr/>
+        </p:nvCxnSpPr>
+        <p:spPr>
+          <a:xfrm flipH="1" flipV="1">
+            <a:off x="4499992" y="3935194"/>
+            <a:ext cx="2016224" cy="1942078"/>
+          </a:xfrm>
+          <a:prstGeom prst="straightConnector1">
+            <a:avLst/>
+          </a:prstGeom>
+          <a:ln>
+            <a:tailEnd type="triangle"/>
+          </a:ln>
+        </p:spPr>
+        <p:style>
+          <a:lnRef idx="1">
+            <a:schemeClr val="accent1"/>
+          </a:lnRef>
+          <a:fillRef idx="0">
+            <a:schemeClr val="accent1"/>
+          </a:fillRef>
+          <a:effectRef idx="0">
+            <a:schemeClr val="accent1"/>
+          </a:effectRef>
+          <a:fontRef idx="minor">
+            <a:schemeClr val="tx1"/>
+          </a:fontRef>
+        </p:style>
+      </p:cxnSp>
+      <p:cxnSp>
+        <p:nvCxnSpPr>
+          <p:cNvPr id="24" name="Straight Arrow Connector 23"/>
+          <p:cNvCxnSpPr/>
+          <p:nvPr/>
+        </p:nvCxnSpPr>
+        <p:spPr>
+          <a:xfrm flipH="1">
+            <a:off x="4319972" y="1340768"/>
+            <a:ext cx="396044" cy="756084"/>
+          </a:xfrm>
+          <a:prstGeom prst="straightConnector1">
+            <a:avLst/>
+          </a:prstGeom>
+          <a:ln>
+            <a:tailEnd type="triangle"/>
+          </a:ln>
+        </p:spPr>
+        <p:style>
+          <a:lnRef idx="1">
+            <a:schemeClr val="accent1"/>
+          </a:lnRef>
+          <a:fillRef idx="0">
+            <a:schemeClr val="accent1"/>
+          </a:fillRef>
+          <a:effectRef idx="0">
+            <a:schemeClr val="accent1"/>
+          </a:effectRef>
+          <a:fontRef idx="minor">
+            <a:schemeClr val="tx1"/>
+          </a:fontRef>
+        </p:style>
+      </p:cxnSp>
+      <p:cxnSp>
+        <p:nvCxnSpPr>
+          <p:cNvPr id="26" name="Straight Arrow Connector 25"/>
+          <p:cNvCxnSpPr>
+            <a:stCxn id="9" idx="2"/>
+          </p:cNvCxnSpPr>
+          <p:nvPr/>
+        </p:nvCxnSpPr>
+        <p:spPr>
+          <a:xfrm flipH="1">
+            <a:off x="4644008" y="1052736"/>
+            <a:ext cx="1584176" cy="1232068"/>
+          </a:xfrm>
+          <a:prstGeom prst="straightConnector1">
+            <a:avLst/>
+          </a:prstGeom>
+          <a:ln>
+            <a:tailEnd type="triangle"/>
+          </a:ln>
+        </p:spPr>
+        <p:style>
+          <a:lnRef idx="1">
+            <a:schemeClr val="accent1"/>
+          </a:lnRef>
+          <a:fillRef idx="0">
+            <a:schemeClr val="accent1"/>
+          </a:fillRef>
+          <a:effectRef idx="0">
+            <a:schemeClr val="accent1"/>
+          </a:effectRef>
+          <a:fontRef idx="minor">
+            <a:schemeClr val="tx1"/>
+          </a:fontRef>
+        </p:style>
+      </p:cxnSp>
+      <p:cxnSp>
+        <p:nvCxnSpPr>
+          <p:cNvPr id="28" name="Straight Arrow Connector 27"/>
+          <p:cNvCxnSpPr/>
+          <p:nvPr/>
+        </p:nvCxnSpPr>
+        <p:spPr>
+          <a:xfrm flipH="1">
+            <a:off x="4716016" y="1232756"/>
+            <a:ext cx="2160240" cy="1152128"/>
+          </a:xfrm>
+          <a:prstGeom prst="straightConnector1">
+            <a:avLst/>
+          </a:prstGeom>
+          <a:ln>
+            <a:tailEnd type="triangle"/>
+          </a:ln>
+        </p:spPr>
+        <p:style>
+          <a:lnRef idx="1">
+            <a:schemeClr val="accent1"/>
+          </a:lnRef>
+          <a:fillRef idx="0">
+            <a:schemeClr val="accent1"/>
+          </a:fillRef>
+          <a:effectRef idx="0">
+            <a:schemeClr val="accent1"/>
+          </a:effectRef>
+          <a:fontRef idx="minor">
+            <a:schemeClr val="tx1"/>
+          </a:fontRef>
+        </p:style>
+      </p:cxnSp>
+      <p:sp>
+        <p:nvSpPr>
+          <p:cNvPr id="30" name="Oval 29"/>
+          <p:cNvSpPr/>
+          <p:nvPr/>
+        </p:nvSpPr>
+        <p:spPr>
+          <a:xfrm>
+            <a:off x="5148064" y="2423027"/>
+            <a:ext cx="1008112" cy="280100"/>
+          </a:xfrm>
+          <a:prstGeom prst="ellipse">
+            <a:avLst/>
+          </a:prstGeom>
+        </p:spPr>
+        <p:style>
+          <a:lnRef idx="2">
+            <a:schemeClr val="accent1">
+              <a:shade val="50000"/>
+            </a:schemeClr>
+          </a:lnRef>
+          <a:fillRef idx="1">
+            <a:schemeClr val="accent1"/>
+          </a:fillRef>
+          <a:effectRef idx="0">
+            <a:schemeClr val="accent1"/>
+          </a:effectRef>
+          <a:fontRef idx="minor">
+            <a:schemeClr val="lt1"/>
+          </a:fontRef>
+        </p:style>
+        <p:txBody>
+          <a:bodyPr rtlCol="0" anchor="ctr"/>
+          <a:lstStyle/>
+          <a:p>
+            <a:pPr algn="ctr"/>
+            <a:r>
+              <a:rPr lang="en-US" dirty="0" smtClean="0"/>
+              <a:t>HTTP</a:t>
+            </a:r>
+            <a:endParaRPr lang="en-IN" dirty="0"/>
+          </a:p>
+        </p:txBody>
+      </p:sp>
+      <p:cxnSp>
+        <p:nvCxnSpPr>
+          <p:cNvPr id="32" name="Straight Arrow Connector 31"/>
+          <p:cNvCxnSpPr/>
+          <p:nvPr/>
+        </p:nvCxnSpPr>
+        <p:spPr>
+          <a:xfrm flipV="1">
+            <a:off x="2339752" y="3946713"/>
+            <a:ext cx="288032" cy="1066463"/>
+          </a:xfrm>
+          <a:prstGeom prst="straightConnector1">
+            <a:avLst/>
+          </a:prstGeom>
+          <a:ln>
+            <a:tailEnd type="triangle"/>
+          </a:ln>
+        </p:spPr>
+        <p:style>
+          <a:lnRef idx="1">
+            <a:schemeClr val="accent1"/>
+          </a:lnRef>
+          <a:fillRef idx="0">
+            <a:schemeClr val="accent1"/>
+          </a:fillRef>
+          <a:effectRef idx="0">
+            <a:schemeClr val="accent1"/>
+          </a:effectRef>
+          <a:fontRef idx="minor">
+            <a:schemeClr val="tx1"/>
+          </a:fontRef>
+        </p:style>
+      </p:cxnSp>
+      <p:sp>
+        <p:nvSpPr>
+          <p:cNvPr id="33" name="Rectangle 32"/>
+          <p:cNvSpPr/>
+          <p:nvPr/>
+        </p:nvSpPr>
+        <p:spPr>
+          <a:xfrm>
+            <a:off x="611560" y="475603"/>
+            <a:ext cx="2469286" cy="1085466"/>
+          </a:xfrm>
+          <a:prstGeom prst="rect">
+            <a:avLst/>
+          </a:prstGeom>
+        </p:spPr>
+        <p:style>
+          <a:lnRef idx="2">
+            <a:schemeClr val="accent6">
+              <a:shade val="50000"/>
+            </a:schemeClr>
+          </a:lnRef>
+          <a:fillRef idx="1">
+            <a:schemeClr val="accent6"/>
+          </a:fillRef>
+          <a:effectRef idx="0">
+            <a:schemeClr val="accent6"/>
+          </a:effectRef>
+          <a:fontRef idx="minor">
+            <a:schemeClr val="lt1"/>
+          </a:fontRef>
+        </p:style>
+        <p:txBody>
+          <a:bodyPr rtlCol="0" anchor="ctr"/>
+          <a:lstStyle/>
+          <a:p>
+            <a:pPr algn="ctr"/>
+            <a:r>
+              <a:rPr lang="en-US" dirty="0" smtClean="0"/>
+              <a:t>Eureka</a:t>
+            </a:r>
+            <a:endParaRPr lang="en-IN" dirty="0"/>
+          </a:p>
+        </p:txBody>
+      </p:sp>
+    </p:spTree>
+    <p:extLst>
+      <p:ext uri="{BB962C8B-B14F-4D97-AF65-F5344CB8AC3E}">
+        <p14:creationId xmlns:p14="http://schemas.microsoft.com/office/powerpoint/2010/main" val="1572496424"/>
+      </p:ext>
+    </p:extLst>
+  </p:cSld>
+  <p:clrMapOvr>
+    <a:masterClrMapping/>
+  </p:clrMapOvr>
+</p:sld>
+</file>
+
+<file path=ppt/slides/slide3.xml><?xml version="1.0" encoding="utf-8"?>
+<p:sld xmlns:a="http://schemas.openxmlformats.org/drawingml/2006/main" xmlns:r="http://schemas.openxmlformats.org/officeDocument/2006/relationships" xmlns:p="http://schemas.openxmlformats.org/presentationml/2006/main">
+  <p:cSld>
+    <p:spTree>
+      <p:nvGrpSpPr>
+        <p:cNvPr id="1" name=""/>
+        <p:cNvGrpSpPr/>
+        <p:nvPr/>
+      </p:nvGrpSpPr>
+      <p:grpSpPr>
+        <a:xfrm>
+          <a:off x="0" y="0"/>
+          <a:ext cx="0" cy="0"/>
+          <a:chOff x="0" y="0"/>
+          <a:chExt cx="0" cy="0"/>
+        </a:xfrm>
+      </p:grpSpPr>
+      <p:sp>
+        <p:nvSpPr>
+          <p:cNvPr id="4" name="Rectangle 3"/>
+          <p:cNvSpPr/>
+          <p:nvPr/>
+        </p:nvSpPr>
+        <p:spPr>
+          <a:xfrm>
+            <a:off x="6516216" y="270027"/>
+            <a:ext cx="1296144" cy="936104"/>
+          </a:xfrm>
+          <a:prstGeom prst="rect">
+            <a:avLst/>
+          </a:prstGeom>
+        </p:spPr>
+        <p:style>
+          <a:lnRef idx="2">
+            <a:schemeClr val="accent1">
+              <a:shade val="50000"/>
+            </a:schemeClr>
+          </a:lnRef>
+          <a:fillRef idx="1">
+            <a:schemeClr val="accent1"/>
+          </a:fillRef>
+          <a:effectRef idx="0">
+            <a:schemeClr val="accent1"/>
+          </a:effectRef>
+          <a:fontRef idx="minor">
+            <a:schemeClr val="lt1"/>
+          </a:fontRef>
+        </p:style>
+        <p:txBody>
+          <a:bodyPr rtlCol="0" anchor="ctr"/>
+          <a:lstStyle/>
+          <a:p>
+            <a:pPr algn="ctr"/>
+            <a:r>
+              <a:rPr lang="en-US" dirty="0" smtClean="0"/>
+              <a:t>Noun</a:t>
+            </a:r>
+            <a:endParaRPr lang="en-IN" dirty="0"/>
+          </a:p>
+        </p:txBody>
+      </p:sp>
+      <p:sp>
+        <p:nvSpPr>
+          <p:cNvPr id="5" name="Rectangle 4"/>
+          <p:cNvSpPr/>
+          <p:nvPr/>
+        </p:nvSpPr>
+        <p:spPr>
+          <a:xfrm>
+            <a:off x="6516216" y="1645733"/>
+            <a:ext cx="1296144" cy="936104"/>
+          </a:xfrm>
+          <a:prstGeom prst="rect">
+            <a:avLst/>
+          </a:prstGeom>
+        </p:spPr>
+        <p:style>
+          <a:lnRef idx="2">
+            <a:schemeClr val="accent1">
+              <a:shade val="50000"/>
+            </a:schemeClr>
+          </a:lnRef>
+          <a:fillRef idx="1">
+            <a:schemeClr val="accent1"/>
+          </a:fillRef>
+          <a:effectRef idx="0">
+            <a:schemeClr val="accent1"/>
+          </a:effectRef>
+          <a:fontRef idx="minor">
+            <a:schemeClr val="lt1"/>
+          </a:fontRef>
+        </p:style>
+        <p:txBody>
+          <a:bodyPr rtlCol="0" anchor="ctr"/>
+          <a:lstStyle/>
+          <a:p>
+            <a:pPr algn="ctr"/>
+            <a:r>
+              <a:rPr lang="en-US" dirty="0" smtClean="0"/>
+              <a:t>articles</a:t>
+            </a:r>
+            <a:endParaRPr lang="en-IN" dirty="0"/>
+          </a:p>
+        </p:txBody>
+      </p:sp>
+      <p:sp>
+        <p:nvSpPr>
+          <p:cNvPr id="6" name="Rectangle 5"/>
+          <p:cNvSpPr/>
+          <p:nvPr/>
+        </p:nvSpPr>
+        <p:spPr>
+          <a:xfrm>
+            <a:off x="6480212" y="3010609"/>
+            <a:ext cx="1296144" cy="936104"/>
+          </a:xfrm>
+          <a:prstGeom prst="rect">
+            <a:avLst/>
+          </a:prstGeom>
+        </p:spPr>
+        <p:style>
+          <a:lnRef idx="2">
+            <a:schemeClr val="accent1">
+              <a:shade val="50000"/>
+            </a:schemeClr>
+          </a:lnRef>
+          <a:fillRef idx="1">
+            <a:schemeClr val="accent1"/>
+          </a:fillRef>
+          <a:effectRef idx="0">
+            <a:schemeClr val="accent1"/>
+          </a:effectRef>
+          <a:fontRef idx="minor">
+            <a:schemeClr val="lt1"/>
+          </a:fontRef>
+        </p:style>
+        <p:txBody>
+          <a:bodyPr rtlCol="0" anchor="ctr"/>
+          <a:lstStyle/>
+          <a:p>
+            <a:pPr algn="ctr"/>
+            <a:r>
+              <a:rPr lang="en-US" dirty="0" smtClean="0"/>
+              <a:t>adjective</a:t>
+            </a:r>
+            <a:endParaRPr lang="en-IN" dirty="0"/>
+          </a:p>
+        </p:txBody>
+      </p:sp>
+      <p:sp>
+        <p:nvSpPr>
+          <p:cNvPr id="7" name="Rectangle 6"/>
+          <p:cNvSpPr/>
+          <p:nvPr/>
+        </p:nvSpPr>
+        <p:spPr>
+          <a:xfrm>
+            <a:off x="6516216" y="4329100"/>
+            <a:ext cx="1296144" cy="936104"/>
+          </a:xfrm>
+          <a:prstGeom prst="rect">
+            <a:avLst/>
+          </a:prstGeom>
+        </p:spPr>
+        <p:style>
+          <a:lnRef idx="2">
+            <a:schemeClr val="accent1">
+              <a:shade val="50000"/>
+            </a:schemeClr>
+          </a:lnRef>
+          <a:fillRef idx="1">
+            <a:schemeClr val="accent1"/>
+          </a:fillRef>
+          <a:effectRef idx="0">
+            <a:schemeClr val="accent1"/>
+          </a:effectRef>
+          <a:fontRef idx="minor">
+            <a:schemeClr val="lt1"/>
+          </a:fontRef>
+        </p:style>
+        <p:txBody>
+          <a:bodyPr rtlCol="0" anchor="ctr"/>
+          <a:lstStyle/>
+          <a:p>
+            <a:pPr algn="ctr"/>
+            <a:r>
+              <a:rPr lang="en-US" dirty="0" smtClean="0"/>
+              <a:t>Verb</a:t>
+            </a:r>
+            <a:endParaRPr lang="en-IN" dirty="0"/>
+          </a:p>
+        </p:txBody>
+      </p:sp>
+      <p:sp>
+        <p:nvSpPr>
+          <p:cNvPr id="8" name="Rectangle 7"/>
+          <p:cNvSpPr/>
+          <p:nvPr/>
+        </p:nvSpPr>
+        <p:spPr>
+          <a:xfrm>
+            <a:off x="6516216" y="5659110"/>
+            <a:ext cx="1296144" cy="936104"/>
+          </a:xfrm>
+          <a:prstGeom prst="rect">
+            <a:avLst/>
+          </a:prstGeom>
+        </p:spPr>
+        <p:style>
+          <a:lnRef idx="2">
+            <a:schemeClr val="accent1">
+              <a:shade val="50000"/>
+            </a:schemeClr>
+          </a:lnRef>
+          <a:fillRef idx="1">
+            <a:schemeClr val="accent1"/>
+          </a:fillRef>
+          <a:effectRef idx="0">
+            <a:schemeClr val="accent1"/>
+          </a:effectRef>
+          <a:fontRef idx="minor">
+            <a:schemeClr val="lt1"/>
+          </a:fontRef>
+        </p:style>
+        <p:txBody>
+          <a:bodyPr rtlCol="0" anchor="ctr"/>
+          <a:lstStyle/>
+          <a:p>
+            <a:pPr algn="ctr"/>
+            <a:r>
+              <a:rPr lang="en-US" dirty="0" smtClean="0"/>
+              <a:t>Subject</a:t>
+            </a:r>
+            <a:endParaRPr lang="en-IN" dirty="0"/>
+          </a:p>
+        </p:txBody>
+      </p:sp>
+      <p:sp>
+        <p:nvSpPr>
+          <p:cNvPr id="9" name="Rectangle 8"/>
+          <p:cNvSpPr/>
+          <p:nvPr/>
+        </p:nvSpPr>
+        <p:spPr>
+          <a:xfrm>
+            <a:off x="5580112" y="116632"/>
+            <a:ext cx="1296144" cy="936104"/>
+          </a:xfrm>
+          <a:prstGeom prst="rect">
+            <a:avLst/>
+          </a:prstGeom>
+          <a:solidFill>
+            <a:schemeClr val="accent1"/>
+          </a:solidFill>
+        </p:spPr>
+        <p:style>
+          <a:lnRef idx="2">
+            <a:schemeClr val="accent1">
+              <a:shade val="50000"/>
+            </a:schemeClr>
+          </a:lnRef>
+          <a:fillRef idx="1">
+            <a:schemeClr val="accent1"/>
+          </a:fillRef>
+          <a:effectRef idx="0">
+            <a:schemeClr val="accent1"/>
+          </a:effectRef>
+          <a:fontRef idx="minor">
+            <a:schemeClr val="lt1"/>
+          </a:fontRef>
+        </p:style>
+        <p:txBody>
+          <a:bodyPr rtlCol="0" anchor="ctr"/>
+          <a:lstStyle/>
+          <a:p>
+            <a:pPr algn="ctr"/>
+            <a:r>
+              <a:rPr lang="en-US" dirty="0"/>
+              <a:t>Noun</a:t>
+            </a:r>
+            <a:endParaRPr lang="en-IN" dirty="0"/>
+          </a:p>
+        </p:txBody>
+      </p:sp>
+      <p:sp>
+        <p:nvSpPr>
+          <p:cNvPr id="10" name="Rectangle 9"/>
+          <p:cNvSpPr/>
+          <p:nvPr/>
+        </p:nvSpPr>
+        <p:spPr>
+          <a:xfrm>
+            <a:off x="4499992" y="404664"/>
+            <a:ext cx="1296144" cy="936104"/>
+          </a:xfrm>
+          <a:prstGeom prst="rect">
+            <a:avLst/>
+          </a:prstGeom>
+        </p:spPr>
+        <p:style>
+          <a:lnRef idx="2">
+            <a:schemeClr val="accent1">
+              <a:shade val="50000"/>
+            </a:schemeClr>
+          </a:lnRef>
+          <a:fillRef idx="1">
+            <a:schemeClr val="accent1"/>
+          </a:fillRef>
+          <a:effectRef idx="0">
+            <a:schemeClr val="accent1"/>
+          </a:effectRef>
+          <a:fontRef idx="minor">
+            <a:schemeClr val="lt1"/>
+          </a:fontRef>
+        </p:style>
+        <p:txBody>
+          <a:bodyPr rtlCol="0" anchor="ctr"/>
+          <a:lstStyle/>
+          <a:p>
+            <a:pPr algn="ctr"/>
+            <a:r>
+              <a:rPr lang="en-US" dirty="0"/>
+              <a:t>Noun</a:t>
+            </a:r>
+            <a:endParaRPr lang="en-IN" dirty="0"/>
+          </a:p>
+        </p:txBody>
+      </p:sp>
+      <p:sp>
+        <p:nvSpPr>
+          <p:cNvPr id="30" name="Oval 29"/>
+          <p:cNvSpPr/>
+          <p:nvPr/>
+        </p:nvSpPr>
+        <p:spPr>
+          <a:xfrm>
+            <a:off x="3080846" y="2581837"/>
+            <a:ext cx="1563162" cy="708872"/>
+          </a:xfrm>
+          <a:prstGeom prst="ellipse">
+            <a:avLst/>
+          </a:prstGeom>
+        </p:spPr>
+        <p:style>
+          <a:lnRef idx="2">
+            <a:schemeClr val="accent1">
+              <a:shade val="50000"/>
+            </a:schemeClr>
+          </a:lnRef>
+          <a:fillRef idx="1">
+            <a:schemeClr val="accent1"/>
+          </a:fillRef>
+          <a:effectRef idx="0">
+            <a:schemeClr val="accent1"/>
+          </a:effectRef>
+          <a:fontRef idx="minor">
+            <a:schemeClr val="lt1"/>
+          </a:fontRef>
+        </p:style>
+        <p:txBody>
+          <a:bodyPr rtlCol="0" anchor="ctr"/>
+          <a:lstStyle/>
+          <a:p>
+            <a:pPr algn="ctr"/>
+            <a:r>
+              <a:rPr lang="en-US" dirty="0" smtClean="0"/>
+              <a:t>Sentence</a:t>
+            </a:r>
+            <a:endParaRPr lang="en-IN" dirty="0"/>
+          </a:p>
+        </p:txBody>
+      </p:sp>
+      <p:sp>
+        <p:nvSpPr>
+          <p:cNvPr id="33" name="Rectangle 32"/>
+          <p:cNvSpPr/>
+          <p:nvPr/>
+        </p:nvSpPr>
+        <p:spPr>
+          <a:xfrm>
+            <a:off x="611560" y="475603"/>
+            <a:ext cx="2469286" cy="1085466"/>
+          </a:xfrm>
+          <a:prstGeom prst="rect">
+            <a:avLst/>
+          </a:prstGeom>
+        </p:spPr>
+        <p:style>
+          <a:lnRef idx="2">
+            <a:schemeClr val="accent6">
+              <a:shade val="50000"/>
+            </a:schemeClr>
+          </a:lnRef>
+          <a:fillRef idx="1">
+            <a:schemeClr val="accent6"/>
+          </a:fillRef>
+          <a:effectRef idx="0">
+            <a:schemeClr val="accent6"/>
+          </a:effectRef>
+          <a:fontRef idx="minor">
+            <a:schemeClr val="lt1"/>
+          </a:fontRef>
+        </p:style>
+        <p:txBody>
+          <a:bodyPr rtlCol="0" anchor="ctr"/>
+          <a:lstStyle/>
+          <a:p>
+            <a:pPr algn="ctr"/>
+            <a:r>
+              <a:rPr lang="en-US" dirty="0" smtClean="0"/>
+              <a:t>Eureka</a:t>
+            </a:r>
+            <a:endParaRPr lang="en-IN" dirty="0"/>
+          </a:p>
+        </p:txBody>
+      </p:sp>
+      <p:cxnSp>
+        <p:nvCxnSpPr>
+          <p:cNvPr id="3" name="Straight Arrow Connector 2"/>
+          <p:cNvCxnSpPr>
+            <a:stCxn id="30" idx="7"/>
+          </p:cNvCxnSpPr>
+          <p:nvPr/>
+        </p:nvCxnSpPr>
+        <p:spPr>
+          <a:xfrm flipV="1">
+            <a:off x="4415088" y="1340769"/>
+            <a:ext cx="949000" cy="1344880"/>
+          </a:xfrm>
+          <a:prstGeom prst="straightConnector1">
+            <a:avLst/>
+          </a:prstGeom>
+          <a:ln>
+            <a:tailEnd type="triangle"/>
+          </a:ln>
+        </p:spPr>
+        <p:style>
+          <a:lnRef idx="1">
+            <a:schemeClr val="accent1"/>
+          </a:lnRef>
+          <a:fillRef idx="0">
+            <a:schemeClr val="accent1"/>
+          </a:fillRef>
+          <a:effectRef idx="0">
+            <a:schemeClr val="accent1"/>
+          </a:effectRef>
+          <a:fontRef idx="minor">
+            <a:schemeClr val="tx1"/>
+          </a:fontRef>
+        </p:style>
+      </p:cxnSp>
+      <p:cxnSp>
+        <p:nvCxnSpPr>
+          <p:cNvPr id="23" name="Straight Arrow Connector 22"/>
+          <p:cNvCxnSpPr/>
+          <p:nvPr/>
+        </p:nvCxnSpPr>
+        <p:spPr>
+          <a:xfrm flipV="1">
+            <a:off x="4644008" y="2237593"/>
+            <a:ext cx="1800200" cy="543335"/>
+          </a:xfrm>
+          <a:prstGeom prst="straightConnector1">
+            <a:avLst/>
+          </a:prstGeom>
+          <a:ln>
+            <a:tailEnd type="triangle"/>
+          </a:ln>
+        </p:spPr>
+        <p:style>
+          <a:lnRef idx="1">
+            <a:schemeClr val="accent1"/>
+          </a:lnRef>
+          <a:fillRef idx="0">
+            <a:schemeClr val="accent1"/>
+          </a:fillRef>
+          <a:effectRef idx="0">
+            <a:schemeClr val="accent1"/>
+          </a:effectRef>
+          <a:fontRef idx="minor">
+            <a:schemeClr val="tx1"/>
+          </a:fontRef>
+        </p:style>
+      </p:cxnSp>
+      <p:cxnSp>
+        <p:nvCxnSpPr>
+          <p:cNvPr id="25" name="Straight Arrow Connector 24"/>
+          <p:cNvCxnSpPr/>
+          <p:nvPr/>
+        </p:nvCxnSpPr>
+        <p:spPr>
+          <a:xfrm>
+            <a:off x="4499992" y="3209700"/>
+            <a:ext cx="1980220" cy="425253"/>
+          </a:xfrm>
+          <a:prstGeom prst="straightConnector1">
+            <a:avLst/>
+          </a:prstGeom>
+          <a:ln>
+            <a:tailEnd type="triangle"/>
+          </a:ln>
+        </p:spPr>
+        <p:style>
+          <a:lnRef idx="1">
+            <a:schemeClr val="accent1"/>
+          </a:lnRef>
+          <a:fillRef idx="0">
+            <a:schemeClr val="accent1"/>
+          </a:fillRef>
+          <a:effectRef idx="0">
+            <a:schemeClr val="accent1"/>
+          </a:effectRef>
+          <a:fontRef idx="minor">
+            <a:schemeClr val="tx1"/>
+          </a:fontRef>
+        </p:style>
+      </p:cxnSp>
+      <p:cxnSp>
+        <p:nvCxnSpPr>
+          <p:cNvPr id="29" name="Straight Arrow Connector 28"/>
+          <p:cNvCxnSpPr/>
+          <p:nvPr/>
+        </p:nvCxnSpPr>
+        <p:spPr>
+          <a:xfrm>
+            <a:off x="4283968" y="3298641"/>
+            <a:ext cx="2196244" cy="1639251"/>
+          </a:xfrm>
+          <a:prstGeom prst="straightConnector1">
+            <a:avLst/>
+          </a:prstGeom>
+          <a:ln>
+            <a:tailEnd type="triangle"/>
+          </a:ln>
+        </p:spPr>
+        <p:style>
+          <a:lnRef idx="1">
+            <a:schemeClr val="accent1"/>
+          </a:lnRef>
+          <a:fillRef idx="0">
+            <a:schemeClr val="accent1"/>
+          </a:fillRef>
+          <a:effectRef idx="0">
+            <a:schemeClr val="accent1"/>
+          </a:effectRef>
+          <a:fontRef idx="minor">
+            <a:schemeClr val="tx1"/>
+          </a:fontRef>
+        </p:style>
+      </p:cxnSp>
+      <p:cxnSp>
+        <p:nvCxnSpPr>
+          <p:cNvPr id="31" name="Straight Arrow Connector 30"/>
+          <p:cNvCxnSpPr/>
+          <p:nvPr/>
+        </p:nvCxnSpPr>
+        <p:spPr>
+          <a:xfrm>
+            <a:off x="3880360" y="3306573"/>
+            <a:ext cx="2599852" cy="2642707"/>
+          </a:xfrm>
+          <a:prstGeom prst="straightConnector1">
+            <a:avLst/>
+          </a:prstGeom>
+          <a:ln>
+            <a:tailEnd type="triangle"/>
+          </a:ln>
+        </p:spPr>
+        <p:style>
+          <a:lnRef idx="1">
+            <a:schemeClr val="accent1"/>
+          </a:lnRef>
+          <a:fillRef idx="0">
+            <a:schemeClr val="accent1"/>
+          </a:fillRef>
+          <a:effectRef idx="0">
+            <a:schemeClr val="accent1"/>
+          </a:effectRef>
+          <a:fontRef idx="minor">
+            <a:schemeClr val="tx1"/>
+          </a:fontRef>
+        </p:style>
+      </p:cxnSp>
+      <p:sp>
+        <p:nvSpPr>
+          <p:cNvPr id="27" name="Rectangle 26"/>
+          <p:cNvSpPr/>
+          <p:nvPr/>
+        </p:nvSpPr>
+        <p:spPr>
+          <a:xfrm>
+            <a:off x="3080846" y="2237593"/>
+            <a:ext cx="1203122" cy="344244"/>
+          </a:xfrm>
+          <a:prstGeom prst="rect">
+            <a:avLst/>
+          </a:prstGeom>
+        </p:spPr>
+        <p:style>
+          <a:lnRef idx="2">
+            <a:schemeClr val="accent1">
+              <a:shade val="50000"/>
+            </a:schemeClr>
+          </a:lnRef>
+          <a:fillRef idx="1">
+            <a:schemeClr val="accent1"/>
+          </a:fillRef>
+          <a:effectRef idx="0">
+            <a:schemeClr val="accent1"/>
+          </a:effectRef>
+          <a:fontRef idx="minor">
+            <a:schemeClr val="lt1"/>
+          </a:fontRef>
+        </p:style>
+        <p:txBody>
+          <a:bodyPr rtlCol="0" anchor="ctr"/>
+          <a:lstStyle/>
+          <a:p>
+            <a:pPr algn="ctr"/>
+            <a:r>
+              <a:rPr lang="en-US" dirty="0" smtClean="0"/>
+              <a:t>5 times</a:t>
+            </a:r>
+            <a:endParaRPr lang="en-IN" dirty="0"/>
+          </a:p>
+        </p:txBody>
+      </p:sp>
+      <p:sp>
+        <p:nvSpPr>
+          <p:cNvPr id="35" name="Rectangle 34"/>
+          <p:cNvSpPr/>
+          <p:nvPr/>
+        </p:nvSpPr>
+        <p:spPr>
+          <a:xfrm>
+            <a:off x="7642963" y="1941663"/>
+            <a:ext cx="1296144" cy="936104"/>
+          </a:xfrm>
+          <a:prstGeom prst="rect">
+            <a:avLst/>
+          </a:prstGeom>
+        </p:spPr>
+        <p:style>
+          <a:lnRef idx="2">
+            <a:schemeClr val="accent1">
+              <a:shade val="50000"/>
+            </a:schemeClr>
+          </a:lnRef>
+          <a:fillRef idx="1">
+            <a:schemeClr val="accent1"/>
+          </a:fillRef>
+          <a:effectRef idx="0">
+            <a:schemeClr val="accent1"/>
+          </a:effectRef>
+          <a:fontRef idx="minor">
+            <a:schemeClr val="lt1"/>
+          </a:fontRef>
+        </p:style>
+        <p:txBody>
+          <a:bodyPr rtlCol="0" anchor="ctr"/>
+          <a:lstStyle/>
+          <a:p>
+            <a:pPr algn="ctr"/>
+            <a:r>
+              <a:rPr lang="en-US" dirty="0" smtClean="0"/>
+              <a:t>articles</a:t>
+            </a:r>
+            <a:endParaRPr lang="en-IN" dirty="0"/>
+          </a:p>
+        </p:txBody>
+      </p:sp>
+    </p:spTree>
+    <p:extLst>
+      <p:ext uri="{BB962C8B-B14F-4D97-AF65-F5344CB8AC3E}">
+        <p14:creationId xmlns:p14="http://schemas.microsoft.com/office/powerpoint/2010/main" val="4245025602"/>
+      </p:ext>
+    </p:extLst>
+  </p:cSld>
+  <p:clrMapOvr>
+    <a:masterClrMapping/>
+  </p:clrMapOvr>
+</p:sld>
+</file>
+
+<file path=ppt/slides/slide4.xml><?xml version="1.0" encoding="utf-8"?>
+<p:sld xmlns:a="http://schemas.openxmlformats.org/drawingml/2006/main" xmlns:r="http://schemas.openxmlformats.org/officeDocument/2006/relationships" xmlns:p="http://schemas.openxmlformats.org/presentationml/2006/main">
+  <p:cSld>
+    <p:spTree>
+      <p:nvGrpSpPr>
+        <p:cNvPr id="1" name=""/>
+        <p:cNvGrpSpPr/>
+        <p:nvPr/>
+      </p:nvGrpSpPr>
+      <p:grpSpPr>
+        <a:xfrm>
+          <a:off x="0" y="0"/>
+          <a:ext cx="0" cy="0"/>
+          <a:chOff x="0" y="0"/>
+          <a:chExt cx="0" cy="0"/>
+        </a:xfrm>
+      </p:grpSpPr>
       <p:cxnSp>
         <p:nvCxnSpPr>
           <p:cNvPr id="5" name="Straight Connector 4"/>
@@ -4349,7 +5826,7 @@
         </p:nvSpPr>
         <p:spPr>
           <a:xfrm>
-            <a:off x="7715272" y="1857364"/>
+            <a:off x="7625974" y="1857364"/>
             <a:ext cx="1357322" cy="642942"/>
           </a:xfrm>
           <a:prstGeom prst="roundRect">
@@ -4435,9 +5912,9 @@
           <p:nvPr/>
         </p:nvCxnSpPr>
         <p:spPr>
-          <a:xfrm rot="5400000" flipH="1" flipV="1">
-            <a:off x="7929586" y="1393017"/>
-            <a:ext cx="928694" cy="1588"/>
+          <a:xfrm flipV="1">
+            <a:off x="8304635" y="928670"/>
+            <a:ext cx="89298" cy="928694"/>
           </a:xfrm>
           <a:prstGeom prst="straightConnector1">
             <a:avLst/>
@@ -4509,9 +5986,9 @@
           <p:nvPr/>
         </p:nvCxnSpPr>
         <p:spPr>
-          <a:xfrm rot="5400000">
-            <a:off x="7108049" y="3357562"/>
-            <a:ext cx="2143140" cy="428628"/>
+          <a:xfrm flipH="1">
+            <a:off x="7965305" y="2500306"/>
+            <a:ext cx="339330" cy="2143140"/>
           </a:xfrm>
           <a:prstGeom prst="straightConnector1">
             <a:avLst/>
@@ -4546,9 +6023,9 @@
           <p:nvPr/>
         </p:nvCxnSpPr>
         <p:spPr>
-          <a:xfrm rot="5400000">
-            <a:off x="3125381" y="446464"/>
-            <a:ext cx="3214710" cy="7322395"/>
+          <a:xfrm flipH="1">
+            <a:off x="1071538" y="2500306"/>
+            <a:ext cx="7233097" cy="3214710"/>
           </a:xfrm>
           <a:prstGeom prst="straightConnector1">
             <a:avLst/>
@@ -4583,9 +6060,9 @@
           <p:nvPr/>
         </p:nvCxnSpPr>
         <p:spPr>
-          <a:xfrm rot="5400000">
-            <a:off x="4089794" y="1410877"/>
-            <a:ext cx="3214710" cy="5393569"/>
+          <a:xfrm flipH="1">
+            <a:off x="3000364" y="2500306"/>
+            <a:ext cx="5304271" cy="3214710"/>
           </a:xfrm>
           <a:prstGeom prst="straightConnector1">
             <a:avLst/>
@@ -4620,9 +6097,9 @@
           <p:nvPr/>
         </p:nvCxnSpPr>
         <p:spPr>
-          <a:xfrm rot="5400000">
-            <a:off x="5036347" y="2357430"/>
-            <a:ext cx="3214710" cy="3500462"/>
+          <a:xfrm flipH="1">
+            <a:off x="4893471" y="2500306"/>
+            <a:ext cx="3411164" cy="3214710"/>
           </a:xfrm>
           <a:prstGeom prst="straightConnector1">
             <a:avLst/>

--- a/Lab-Designs.pptx
+++ b/Lab-Designs.pptx
@@ -8,7 +8,9 @@
     <p:sldId id="267" r:id="rId2"/>
     <p:sldId id="268" r:id="rId3"/>
     <p:sldId id="270" r:id="rId4"/>
-    <p:sldId id="256" r:id="rId5"/>
+    <p:sldId id="272" r:id="rId5"/>
+    <p:sldId id="256" r:id="rId6"/>
+    <p:sldId id="273" r:id="rId7"/>
   </p:sldIdLst>
   <p:sldSz cx="9144000" cy="6858000" type="screen4x3"/>
   <p:notesSz cx="6858000" cy="9144000"/>
@@ -3140,7 +3142,7 @@
         </p:nvSpPr>
         <p:spPr>
           <a:xfrm>
-            <a:off x="6516216" y="270027"/>
+            <a:off x="6480212" y="253096"/>
             <a:ext cx="1296144" cy="936104"/>
           </a:xfrm>
           <a:prstGeom prst="rect">
@@ -3184,7 +3186,7 @@
         </p:nvSpPr>
         <p:spPr>
           <a:xfrm>
-            <a:off x="6516216" y="1645733"/>
+            <a:off x="6516216" y="1661303"/>
             <a:ext cx="1296144" cy="936104"/>
           </a:xfrm>
           <a:prstGeom prst="rect">
@@ -3451,8 +3453,8 @@
         </p:nvSpPr>
         <p:spPr>
           <a:xfrm>
-            <a:off x="1553688" y="2217313"/>
-            <a:ext cx="3054316" cy="1707569"/>
+            <a:off x="2339752" y="2608049"/>
+            <a:ext cx="2268251" cy="1316833"/>
           </a:xfrm>
           <a:prstGeom prst="rect">
             <a:avLst/>
@@ -3497,7 +3499,7 @@
         </p:nvSpPr>
         <p:spPr>
           <a:xfrm>
-            <a:off x="971600" y="5013176"/>
+            <a:off x="964105" y="4993693"/>
             <a:ext cx="2232248" cy="864096"/>
           </a:xfrm>
           <a:prstGeom prst="ellipse">
@@ -3533,245 +3535,6 @@
           </a:p>
         </p:txBody>
       </p:sp>
-      <p:cxnSp>
-        <p:nvCxnSpPr>
-          <p:cNvPr id="16" name="Straight Arrow Connector 15"/>
-          <p:cNvCxnSpPr>
-            <a:stCxn id="5" idx="1"/>
-          </p:cNvCxnSpPr>
-          <p:nvPr/>
-        </p:nvCxnSpPr>
-        <p:spPr>
-          <a:xfrm flipH="1">
-            <a:off x="4644008" y="2113785"/>
-            <a:ext cx="1872208" cy="468052"/>
-          </a:xfrm>
-          <a:prstGeom prst="straightConnector1">
-            <a:avLst/>
-          </a:prstGeom>
-          <a:ln>
-            <a:tailEnd type="triangle"/>
-          </a:ln>
-        </p:spPr>
-        <p:style>
-          <a:lnRef idx="1">
-            <a:schemeClr val="accent1"/>
-          </a:lnRef>
-          <a:fillRef idx="0">
-            <a:schemeClr val="accent1"/>
-          </a:fillRef>
-          <a:effectRef idx="0">
-            <a:schemeClr val="accent1"/>
-          </a:effectRef>
-          <a:fontRef idx="minor">
-            <a:schemeClr val="tx1"/>
-          </a:fontRef>
-        </p:style>
-      </p:cxnSp>
-      <p:cxnSp>
-        <p:nvCxnSpPr>
-          <p:cNvPr id="18" name="Straight Arrow Connector 17"/>
-          <p:cNvCxnSpPr>
-            <a:stCxn id="6" idx="1"/>
-          </p:cNvCxnSpPr>
-          <p:nvPr/>
-        </p:nvCxnSpPr>
-        <p:spPr>
-          <a:xfrm flipH="1" flipV="1">
-            <a:off x="4608004" y="3440519"/>
-            <a:ext cx="1872208" cy="38142"/>
-          </a:xfrm>
-          <a:prstGeom prst="straightConnector1">
-            <a:avLst/>
-          </a:prstGeom>
-          <a:ln>
-            <a:tailEnd type="triangle"/>
-          </a:ln>
-        </p:spPr>
-        <p:style>
-          <a:lnRef idx="1">
-            <a:schemeClr val="accent1"/>
-          </a:lnRef>
-          <a:fillRef idx="0">
-            <a:schemeClr val="accent1"/>
-          </a:fillRef>
-          <a:effectRef idx="0">
-            <a:schemeClr val="accent1"/>
-          </a:effectRef>
-          <a:fontRef idx="minor">
-            <a:schemeClr val="tx1"/>
-          </a:fontRef>
-        </p:style>
-      </p:cxnSp>
-      <p:cxnSp>
-        <p:nvCxnSpPr>
-          <p:cNvPr id="20" name="Straight Arrow Connector 19"/>
-          <p:cNvCxnSpPr>
-            <a:stCxn id="7" idx="1"/>
-          </p:cNvCxnSpPr>
-          <p:nvPr/>
-        </p:nvCxnSpPr>
-        <p:spPr>
-          <a:xfrm flipH="1" flipV="1">
-            <a:off x="4644008" y="3935194"/>
-            <a:ext cx="1872208" cy="861958"/>
-          </a:xfrm>
-          <a:prstGeom prst="straightConnector1">
-            <a:avLst/>
-          </a:prstGeom>
-          <a:ln>
-            <a:tailEnd type="triangle"/>
-          </a:ln>
-        </p:spPr>
-        <p:style>
-          <a:lnRef idx="1">
-            <a:schemeClr val="accent1"/>
-          </a:lnRef>
-          <a:fillRef idx="0">
-            <a:schemeClr val="accent1"/>
-          </a:fillRef>
-          <a:effectRef idx="0">
-            <a:schemeClr val="accent1"/>
-          </a:effectRef>
-          <a:fontRef idx="minor">
-            <a:schemeClr val="tx1"/>
-          </a:fontRef>
-        </p:style>
-      </p:cxnSp>
-      <p:cxnSp>
-        <p:nvCxnSpPr>
-          <p:cNvPr id="22" name="Straight Arrow Connector 21"/>
-          <p:cNvCxnSpPr/>
-          <p:nvPr/>
-        </p:nvCxnSpPr>
-        <p:spPr>
-          <a:xfrm flipH="1" flipV="1">
-            <a:off x="4499992" y="3935194"/>
-            <a:ext cx="2016224" cy="1942078"/>
-          </a:xfrm>
-          <a:prstGeom prst="straightConnector1">
-            <a:avLst/>
-          </a:prstGeom>
-          <a:ln>
-            <a:tailEnd type="triangle"/>
-          </a:ln>
-        </p:spPr>
-        <p:style>
-          <a:lnRef idx="1">
-            <a:schemeClr val="accent1"/>
-          </a:lnRef>
-          <a:fillRef idx="0">
-            <a:schemeClr val="accent1"/>
-          </a:fillRef>
-          <a:effectRef idx="0">
-            <a:schemeClr val="accent1"/>
-          </a:effectRef>
-          <a:fontRef idx="minor">
-            <a:schemeClr val="tx1"/>
-          </a:fontRef>
-        </p:style>
-      </p:cxnSp>
-      <p:cxnSp>
-        <p:nvCxnSpPr>
-          <p:cNvPr id="24" name="Straight Arrow Connector 23"/>
-          <p:cNvCxnSpPr/>
-          <p:nvPr/>
-        </p:nvCxnSpPr>
-        <p:spPr>
-          <a:xfrm flipH="1">
-            <a:off x="4319972" y="1340768"/>
-            <a:ext cx="396044" cy="756084"/>
-          </a:xfrm>
-          <a:prstGeom prst="straightConnector1">
-            <a:avLst/>
-          </a:prstGeom>
-          <a:ln>
-            <a:tailEnd type="triangle"/>
-          </a:ln>
-        </p:spPr>
-        <p:style>
-          <a:lnRef idx="1">
-            <a:schemeClr val="accent1"/>
-          </a:lnRef>
-          <a:fillRef idx="0">
-            <a:schemeClr val="accent1"/>
-          </a:fillRef>
-          <a:effectRef idx="0">
-            <a:schemeClr val="accent1"/>
-          </a:effectRef>
-          <a:fontRef idx="minor">
-            <a:schemeClr val="tx1"/>
-          </a:fontRef>
-        </p:style>
-      </p:cxnSp>
-      <p:cxnSp>
-        <p:nvCxnSpPr>
-          <p:cNvPr id="26" name="Straight Arrow Connector 25"/>
-          <p:cNvCxnSpPr>
-            <a:stCxn id="9" idx="2"/>
-          </p:cNvCxnSpPr>
-          <p:nvPr/>
-        </p:nvCxnSpPr>
-        <p:spPr>
-          <a:xfrm flipH="1">
-            <a:off x="4644008" y="1052736"/>
-            <a:ext cx="1584176" cy="1232068"/>
-          </a:xfrm>
-          <a:prstGeom prst="straightConnector1">
-            <a:avLst/>
-          </a:prstGeom>
-          <a:ln>
-            <a:tailEnd type="triangle"/>
-          </a:ln>
-        </p:spPr>
-        <p:style>
-          <a:lnRef idx="1">
-            <a:schemeClr val="accent1"/>
-          </a:lnRef>
-          <a:fillRef idx="0">
-            <a:schemeClr val="accent1"/>
-          </a:fillRef>
-          <a:effectRef idx="0">
-            <a:schemeClr val="accent1"/>
-          </a:effectRef>
-          <a:fontRef idx="minor">
-            <a:schemeClr val="tx1"/>
-          </a:fontRef>
-        </p:style>
-      </p:cxnSp>
-      <p:cxnSp>
-        <p:nvCxnSpPr>
-          <p:cNvPr id="28" name="Straight Arrow Connector 27"/>
-          <p:cNvCxnSpPr/>
-          <p:nvPr/>
-        </p:nvCxnSpPr>
-        <p:spPr>
-          <a:xfrm flipH="1">
-            <a:off x="4716016" y="1232756"/>
-            <a:ext cx="2160240" cy="1152128"/>
-          </a:xfrm>
-          <a:prstGeom prst="straightConnector1">
-            <a:avLst/>
-          </a:prstGeom>
-          <a:ln>
-            <a:tailEnd type="triangle"/>
-          </a:ln>
-        </p:spPr>
-        <p:style>
-          <a:lnRef idx="1">
-            <a:schemeClr val="accent1"/>
-          </a:lnRef>
-          <a:fillRef idx="0">
-            <a:schemeClr val="accent1"/>
-          </a:fillRef>
-          <a:effectRef idx="0">
-            <a:schemeClr val="accent1"/>
-          </a:effectRef>
-          <a:fontRef idx="minor">
-            <a:schemeClr val="tx1"/>
-          </a:fontRef>
-        </p:style>
-      </p:cxnSp>
       <p:sp>
         <p:nvSpPr>
           <p:cNvPr id="30" name="Oval 29"/>
@@ -3780,8 +3543,8 @@
         </p:nvSpPr>
         <p:spPr>
           <a:xfrm>
-            <a:off x="5148064" y="2423027"/>
-            <a:ext cx="1008112" cy="280100"/>
+            <a:off x="4881045" y="3903051"/>
+            <a:ext cx="1296144" cy="448086"/>
           </a:xfrm>
           <a:prstGeom prst="ellipse">
             <a:avLst/>
@@ -3810,7 +3573,7 @@
             <a:pPr algn="ctr"/>
             <a:r>
               <a:rPr lang="en-US" dirty="0" smtClean="0"/>
-              <a:t>HTTP</a:t>
+              <a:t>AMQP</a:t>
             </a:r>
             <a:endParaRPr lang="en-IN" dirty="0"/>
           </a:p>
@@ -3888,6 +3651,240 @@
             <a:r>
               <a:rPr lang="en-US" dirty="0" smtClean="0"/>
               <a:t>Eureka</a:t>
+            </a:r>
+            <a:endParaRPr lang="en-IN" dirty="0"/>
+          </a:p>
+        </p:txBody>
+      </p:sp>
+      <p:cxnSp>
+        <p:nvCxnSpPr>
+          <p:cNvPr id="36" name="Straight Arrow Connector 35"/>
+          <p:cNvCxnSpPr/>
+          <p:nvPr/>
+        </p:nvCxnSpPr>
+        <p:spPr>
+          <a:xfrm>
+            <a:off x="4139952" y="3946713"/>
+            <a:ext cx="75019" cy="644609"/>
+          </a:xfrm>
+          <a:prstGeom prst="straightConnector1">
+            <a:avLst/>
+          </a:prstGeom>
+          <a:ln>
+            <a:tailEnd type="triangle"/>
+          </a:ln>
+        </p:spPr>
+        <p:style>
+          <a:lnRef idx="1">
+            <a:schemeClr val="accent1"/>
+          </a:lnRef>
+          <a:fillRef idx="0">
+            <a:schemeClr val="accent1"/>
+          </a:fillRef>
+          <a:effectRef idx="0">
+            <a:schemeClr val="accent1"/>
+          </a:effectRef>
+          <a:fontRef idx="minor">
+            <a:schemeClr val="tx1"/>
+          </a:fontRef>
+        </p:style>
+      </p:cxnSp>
+      <p:sp>
+        <p:nvSpPr>
+          <p:cNvPr id="37" name="Rectangle 36"/>
+          <p:cNvSpPr/>
+          <p:nvPr/>
+        </p:nvSpPr>
+        <p:spPr>
+          <a:xfrm>
+            <a:off x="3764922" y="4635103"/>
+            <a:ext cx="1815190" cy="704248"/>
+          </a:xfrm>
+          <a:prstGeom prst="rect">
+            <a:avLst/>
+          </a:prstGeom>
+          <a:solidFill>
+            <a:srgbClr val="92D050"/>
+          </a:solidFill>
+        </p:spPr>
+        <p:style>
+          <a:lnRef idx="2">
+            <a:schemeClr val="accent1">
+              <a:shade val="50000"/>
+            </a:schemeClr>
+          </a:lnRef>
+          <a:fillRef idx="1">
+            <a:schemeClr val="accent1"/>
+          </a:fillRef>
+          <a:effectRef idx="0">
+            <a:schemeClr val="accent1"/>
+          </a:effectRef>
+          <a:fontRef idx="minor">
+            <a:schemeClr val="lt1"/>
+          </a:fontRef>
+        </p:style>
+        <p:txBody>
+          <a:bodyPr rtlCol="0" anchor="ctr"/>
+          <a:lstStyle/>
+          <a:p>
+            <a:pPr algn="ctr"/>
+            <a:r>
+              <a:rPr lang="en-US" dirty="0" err="1" smtClean="0"/>
+              <a:t>RabbitMQ</a:t>
+            </a:r>
+            <a:endParaRPr lang="en-IN" dirty="0"/>
+          </a:p>
+        </p:txBody>
+      </p:sp>
+      <p:cxnSp>
+        <p:nvCxnSpPr>
+          <p:cNvPr id="39" name="Straight Arrow Connector 38"/>
+          <p:cNvCxnSpPr/>
+          <p:nvPr/>
+        </p:nvCxnSpPr>
+        <p:spPr>
+          <a:xfrm flipV="1">
+            <a:off x="5364088" y="2581837"/>
+            <a:ext cx="1152128" cy="2009603"/>
+          </a:xfrm>
+          <a:prstGeom prst="straightConnector1">
+            <a:avLst/>
+          </a:prstGeom>
+          <a:ln>
+            <a:tailEnd type="triangle"/>
+          </a:ln>
+        </p:spPr>
+        <p:style>
+          <a:lnRef idx="1">
+            <a:schemeClr val="accent1"/>
+          </a:lnRef>
+          <a:fillRef idx="0">
+            <a:schemeClr val="accent1"/>
+          </a:fillRef>
+          <a:effectRef idx="0">
+            <a:schemeClr val="accent1"/>
+          </a:effectRef>
+          <a:fontRef idx="minor">
+            <a:schemeClr val="tx1"/>
+          </a:fontRef>
+        </p:style>
+      </p:cxnSp>
+      <p:cxnSp>
+        <p:nvCxnSpPr>
+          <p:cNvPr id="41" name="Straight Arrow Connector 40"/>
+          <p:cNvCxnSpPr/>
+          <p:nvPr/>
+        </p:nvCxnSpPr>
+        <p:spPr>
+          <a:xfrm flipV="1">
+            <a:off x="5544107" y="3924882"/>
+            <a:ext cx="936105" cy="688390"/>
+          </a:xfrm>
+          <a:prstGeom prst="straightConnector1">
+            <a:avLst/>
+          </a:prstGeom>
+          <a:ln>
+            <a:tailEnd type="triangle"/>
+          </a:ln>
+        </p:spPr>
+        <p:style>
+          <a:lnRef idx="1">
+            <a:schemeClr val="accent1"/>
+          </a:lnRef>
+          <a:fillRef idx="0">
+            <a:schemeClr val="accent1"/>
+          </a:fillRef>
+          <a:effectRef idx="0">
+            <a:schemeClr val="accent1"/>
+          </a:effectRef>
+          <a:fontRef idx="minor">
+            <a:schemeClr val="tx1"/>
+          </a:fontRef>
+        </p:style>
+      </p:cxnSp>
+      <p:sp>
+        <p:nvSpPr>
+          <p:cNvPr id="42" name="TextBox 41"/>
+          <p:cNvSpPr txBox="1"/>
+          <p:nvPr/>
+        </p:nvSpPr>
+        <p:spPr>
+          <a:xfrm>
+            <a:off x="1338263" y="4221990"/>
+            <a:ext cx="893706" cy="369332"/>
+          </a:xfrm>
+          <a:prstGeom prst="rect">
+            <a:avLst/>
+          </a:prstGeom>
+          <a:noFill/>
+        </p:spPr>
+        <p:txBody>
+          <a:bodyPr wrap="none" rtlCol="0">
+            <a:spAutoFit/>
+          </a:bodyPr>
+          <a:lstStyle/>
+          <a:p>
+            <a:r>
+              <a:rPr lang="en-US" dirty="0" smtClean="0"/>
+              <a:t>Refresh</a:t>
+            </a:r>
+            <a:endParaRPr lang="en-IN" dirty="0"/>
+          </a:p>
+        </p:txBody>
+      </p:sp>
+      <p:sp>
+        <p:nvSpPr>
+          <p:cNvPr id="43" name="Rectangle 42"/>
+          <p:cNvSpPr/>
+          <p:nvPr/>
+        </p:nvSpPr>
+        <p:spPr>
+          <a:xfrm>
+            <a:off x="7815027" y="1568829"/>
+            <a:ext cx="893706" cy="369332"/>
+          </a:xfrm>
+          <a:prstGeom prst="rect">
+            <a:avLst/>
+          </a:prstGeom>
+        </p:spPr>
+        <p:txBody>
+          <a:bodyPr wrap="none">
+            <a:spAutoFit/>
+          </a:bodyPr>
+          <a:lstStyle/>
+          <a:p>
+            <a:r>
+              <a:rPr lang="en-US" dirty="0"/>
+              <a:t>Refresh</a:t>
+            </a:r>
+            <a:endParaRPr lang="en-IN" dirty="0"/>
+          </a:p>
+        </p:txBody>
+      </p:sp>
+      <p:sp>
+        <p:nvSpPr>
+          <p:cNvPr id="44" name="Rectangle 43"/>
+          <p:cNvSpPr/>
+          <p:nvPr/>
+        </p:nvSpPr>
+        <p:spPr>
+          <a:xfrm>
+            <a:off x="7725732" y="2791077"/>
+            <a:ext cx="893706" cy="369332"/>
+          </a:xfrm>
+          <a:prstGeom prst="rect">
+            <a:avLst/>
+          </a:prstGeom>
+        </p:spPr>
+        <p:txBody>
+          <a:bodyPr wrap="none">
+            <a:spAutoFit/>
+          </a:bodyPr>
+          <a:lstStyle/>
+          <a:p>
+            <a:r>
+              <a:rPr lang="en-US" dirty="0"/>
+              <a:t>Refresh</a:t>
             </a:r>
             <a:endParaRPr lang="en-IN" dirty="0"/>
           </a:p>
@@ -3925,13 +3922,13 @@
       </p:grpSpPr>
       <p:sp>
         <p:nvSpPr>
-          <p:cNvPr id="4" name="Rectangle 3"/>
+          <p:cNvPr id="5" name="Rectangle 4"/>
           <p:cNvSpPr/>
           <p:nvPr/>
         </p:nvSpPr>
         <p:spPr>
           <a:xfrm>
-            <a:off x="6516216" y="270027"/>
+            <a:off x="6516216" y="1645733"/>
             <a:ext cx="1296144" cy="936104"/>
           </a:xfrm>
           <a:prstGeom prst="rect">
@@ -3961,7 +3958,7 @@
             <a:pPr algn="ctr"/>
             <a:r>
               <a:rPr lang="en-US" dirty="0" smtClean="0"/>
-              <a:t>Noun</a:t>
+              <a:t>SBI- 1%</a:t>
             </a:r>
             <a:endParaRPr lang="en-IN" dirty="0"/>
           </a:p>
@@ -3969,13 +3966,13 @@
       </p:sp>
       <p:sp>
         <p:nvSpPr>
-          <p:cNvPr id="5" name="Rectangle 4"/>
+          <p:cNvPr id="6" name="Rectangle 5"/>
           <p:cNvSpPr/>
           <p:nvPr/>
         </p:nvSpPr>
         <p:spPr>
           <a:xfrm>
-            <a:off x="6516216" y="1645733"/>
+            <a:off x="6480212" y="3010609"/>
             <a:ext cx="1296144" cy="936104"/>
           </a:xfrm>
           <a:prstGeom prst="rect">
@@ -4005,7 +4002,7 @@
             <a:pPr algn="ctr"/>
             <a:r>
               <a:rPr lang="en-US" dirty="0" smtClean="0"/>
-              <a:t>articles</a:t>
+              <a:t>ICICI-1.2%</a:t>
             </a:r>
             <a:endParaRPr lang="en-IN" dirty="0"/>
           </a:p>
@@ -4013,13 +4010,13 @@
       </p:sp>
       <p:sp>
         <p:nvSpPr>
-          <p:cNvPr id="6" name="Rectangle 5"/>
+          <p:cNvPr id="7" name="Rectangle 6"/>
           <p:cNvSpPr/>
           <p:nvPr/>
         </p:nvSpPr>
         <p:spPr>
           <a:xfrm>
-            <a:off x="6480212" y="3010609"/>
+            <a:off x="6516216" y="4329100"/>
             <a:ext cx="1296144" cy="936104"/>
           </a:xfrm>
           <a:prstGeom prst="rect">
@@ -4049,7 +4046,7 @@
             <a:pPr algn="ctr"/>
             <a:r>
               <a:rPr lang="en-US" dirty="0" smtClean="0"/>
-              <a:t>adjective</a:t>
+              <a:t>Citibank- 1.4%</a:t>
             </a:r>
             <a:endParaRPr lang="en-IN" dirty="0"/>
           </a:p>
@@ -4057,16 +4054,16 @@
       </p:sp>
       <p:sp>
         <p:nvSpPr>
-          <p:cNvPr id="7" name="Rectangle 6"/>
+          <p:cNvPr id="30" name="Oval 29"/>
           <p:cNvSpPr/>
           <p:nvPr/>
         </p:nvSpPr>
         <p:spPr>
           <a:xfrm>
-            <a:off x="6516216" y="4329100"/>
-            <a:ext cx="1296144" cy="936104"/>
-          </a:xfrm>
-          <a:prstGeom prst="rect">
+            <a:off x="3080846" y="2581837"/>
+            <a:ext cx="1563162" cy="708872"/>
+          </a:xfrm>
+          <a:prstGeom prst="ellipse">
             <a:avLst/>
           </a:prstGeom>
         </p:spPr>
@@ -4092,27 +4089,99 @@
           <a:p>
             <a:pPr algn="ctr"/>
             <a:r>
+              <a:rPr lang="en-US" dirty="0" err="1" smtClean="0"/>
+              <a:t>Uber</a:t>
+            </a:r>
+            <a:r>
               <a:rPr lang="en-US" dirty="0" smtClean="0"/>
-              <a:t>Verb</a:t>
-            </a:r>
-            <a:endParaRPr lang="en-IN" dirty="0"/>
-          </a:p>
-        </p:txBody>
-      </p:sp>
-      <p:sp>
-        <p:nvSpPr>
-          <p:cNvPr id="8" name="Rectangle 7"/>
+              <a:t> Payment</a:t>
+            </a:r>
+          </a:p>
+        </p:txBody>
+      </p:sp>
+      <p:cxnSp>
+        <p:nvCxnSpPr>
+          <p:cNvPr id="23" name="Straight Arrow Connector 22"/>
+          <p:cNvCxnSpPr/>
+          <p:nvPr/>
+        </p:nvCxnSpPr>
+        <p:spPr>
+          <a:xfrm flipV="1">
+            <a:off x="4644008" y="2244851"/>
+            <a:ext cx="1152128" cy="765758"/>
+          </a:xfrm>
+          <a:prstGeom prst="straightConnector1">
+            <a:avLst/>
+          </a:prstGeom>
+          <a:ln>
+            <a:tailEnd type="triangle"/>
+          </a:ln>
+        </p:spPr>
+        <p:style>
+          <a:lnRef idx="1">
+            <a:schemeClr val="accent1"/>
+          </a:lnRef>
+          <a:fillRef idx="0">
+            <a:schemeClr val="accent1"/>
+          </a:fillRef>
+          <a:effectRef idx="0">
+            <a:schemeClr val="accent1"/>
+          </a:effectRef>
+          <a:fontRef idx="minor">
+            <a:schemeClr val="tx1"/>
+          </a:fontRef>
+        </p:style>
+      </p:cxnSp>
+      <p:cxnSp>
+        <p:nvCxnSpPr>
+          <p:cNvPr id="38" name="Straight Arrow Connector 37"/>
+          <p:cNvCxnSpPr/>
+          <p:nvPr/>
+        </p:nvCxnSpPr>
+        <p:spPr>
+          <a:xfrm>
+            <a:off x="1399165" y="486776"/>
+            <a:ext cx="1800200" cy="2317913"/>
+          </a:xfrm>
+          <a:prstGeom prst="straightConnector1">
+            <a:avLst/>
+          </a:prstGeom>
+          <a:ln>
+            <a:tailEnd type="triangle"/>
+          </a:ln>
+        </p:spPr>
+        <p:style>
+          <a:lnRef idx="1">
+            <a:schemeClr val="accent1"/>
+          </a:lnRef>
+          <a:fillRef idx="0">
+            <a:schemeClr val="accent1"/>
+          </a:fillRef>
+          <a:effectRef idx="0">
+            <a:schemeClr val="accent1"/>
+          </a:effectRef>
+          <a:fontRef idx="minor">
+            <a:schemeClr val="tx1"/>
+          </a:fontRef>
+        </p:style>
+      </p:cxnSp>
+      <p:sp>
+        <p:nvSpPr>
+          <p:cNvPr id="39" name="Isosceles Triangle 38"/>
           <p:cNvSpPr/>
           <p:nvPr/>
         </p:nvSpPr>
         <p:spPr>
           <a:xfrm>
-            <a:off x="6516216" y="5659110"/>
-            <a:ext cx="1296144" cy="936104"/>
-          </a:xfrm>
-          <a:prstGeom prst="rect">
-            <a:avLst/>
-          </a:prstGeom>
+            <a:off x="5508104" y="1353213"/>
+            <a:ext cx="1530170" cy="1451476"/>
+          </a:xfrm>
+          <a:prstGeom prst="triangle">
+            <a:avLst/>
+          </a:prstGeom>
+          <a:solidFill>
+            <a:srgbClr val="C00000"/>
+          </a:solidFill>
         </p:spPr>
         <p:style>
           <a:lnRef idx="2">
@@ -4137,441 +4206,7 @@
             <a:pPr algn="ctr"/>
             <a:r>
               <a:rPr lang="en-US" dirty="0" smtClean="0"/>
-              <a:t>Subject</a:t>
-            </a:r>
-            <a:endParaRPr lang="en-IN" dirty="0"/>
-          </a:p>
-        </p:txBody>
-      </p:sp>
-      <p:sp>
-        <p:nvSpPr>
-          <p:cNvPr id="9" name="Rectangle 8"/>
-          <p:cNvSpPr/>
-          <p:nvPr/>
-        </p:nvSpPr>
-        <p:spPr>
-          <a:xfrm>
-            <a:off x="5580112" y="116632"/>
-            <a:ext cx="1296144" cy="936104"/>
-          </a:xfrm>
-          <a:prstGeom prst="rect">
-            <a:avLst/>
-          </a:prstGeom>
-          <a:solidFill>
-            <a:schemeClr val="accent1"/>
-          </a:solidFill>
-        </p:spPr>
-        <p:style>
-          <a:lnRef idx="2">
-            <a:schemeClr val="accent1">
-              <a:shade val="50000"/>
-            </a:schemeClr>
-          </a:lnRef>
-          <a:fillRef idx="1">
-            <a:schemeClr val="accent1"/>
-          </a:fillRef>
-          <a:effectRef idx="0">
-            <a:schemeClr val="accent1"/>
-          </a:effectRef>
-          <a:fontRef idx="minor">
-            <a:schemeClr val="lt1"/>
-          </a:fontRef>
-        </p:style>
-        <p:txBody>
-          <a:bodyPr rtlCol="0" anchor="ctr"/>
-          <a:lstStyle/>
-          <a:p>
-            <a:pPr algn="ctr"/>
-            <a:r>
-              <a:rPr lang="en-US" dirty="0"/>
-              <a:t>Noun</a:t>
-            </a:r>
-            <a:endParaRPr lang="en-IN" dirty="0"/>
-          </a:p>
-        </p:txBody>
-      </p:sp>
-      <p:sp>
-        <p:nvSpPr>
-          <p:cNvPr id="10" name="Rectangle 9"/>
-          <p:cNvSpPr/>
-          <p:nvPr/>
-        </p:nvSpPr>
-        <p:spPr>
-          <a:xfrm>
-            <a:off x="4499992" y="404664"/>
-            <a:ext cx="1296144" cy="936104"/>
-          </a:xfrm>
-          <a:prstGeom prst="rect">
-            <a:avLst/>
-          </a:prstGeom>
-        </p:spPr>
-        <p:style>
-          <a:lnRef idx="2">
-            <a:schemeClr val="accent1">
-              <a:shade val="50000"/>
-            </a:schemeClr>
-          </a:lnRef>
-          <a:fillRef idx="1">
-            <a:schemeClr val="accent1"/>
-          </a:fillRef>
-          <a:effectRef idx="0">
-            <a:schemeClr val="accent1"/>
-          </a:effectRef>
-          <a:fontRef idx="minor">
-            <a:schemeClr val="lt1"/>
-          </a:fontRef>
-        </p:style>
-        <p:txBody>
-          <a:bodyPr rtlCol="0" anchor="ctr"/>
-          <a:lstStyle/>
-          <a:p>
-            <a:pPr algn="ctr"/>
-            <a:r>
-              <a:rPr lang="en-US" dirty="0"/>
-              <a:t>Noun</a:t>
-            </a:r>
-            <a:endParaRPr lang="en-IN" dirty="0"/>
-          </a:p>
-        </p:txBody>
-      </p:sp>
-      <p:sp>
-        <p:nvSpPr>
-          <p:cNvPr id="30" name="Oval 29"/>
-          <p:cNvSpPr/>
-          <p:nvPr/>
-        </p:nvSpPr>
-        <p:spPr>
-          <a:xfrm>
-            <a:off x="3080846" y="2581837"/>
-            <a:ext cx="1563162" cy="708872"/>
-          </a:xfrm>
-          <a:prstGeom prst="ellipse">
-            <a:avLst/>
-          </a:prstGeom>
-        </p:spPr>
-        <p:style>
-          <a:lnRef idx="2">
-            <a:schemeClr val="accent1">
-              <a:shade val="50000"/>
-            </a:schemeClr>
-          </a:lnRef>
-          <a:fillRef idx="1">
-            <a:schemeClr val="accent1"/>
-          </a:fillRef>
-          <a:effectRef idx="0">
-            <a:schemeClr val="accent1"/>
-          </a:effectRef>
-          <a:fontRef idx="minor">
-            <a:schemeClr val="lt1"/>
-          </a:fontRef>
-        </p:style>
-        <p:txBody>
-          <a:bodyPr rtlCol="0" anchor="ctr"/>
-          <a:lstStyle/>
-          <a:p>
-            <a:pPr algn="ctr"/>
-            <a:r>
-              <a:rPr lang="en-US" dirty="0" smtClean="0"/>
-              <a:t>Sentence</a:t>
-            </a:r>
-            <a:endParaRPr lang="en-IN" dirty="0"/>
-          </a:p>
-        </p:txBody>
-      </p:sp>
-      <p:sp>
-        <p:nvSpPr>
-          <p:cNvPr id="33" name="Rectangle 32"/>
-          <p:cNvSpPr/>
-          <p:nvPr/>
-        </p:nvSpPr>
-        <p:spPr>
-          <a:xfrm>
-            <a:off x="611560" y="475603"/>
-            <a:ext cx="2469286" cy="1085466"/>
-          </a:xfrm>
-          <a:prstGeom prst="rect">
-            <a:avLst/>
-          </a:prstGeom>
-        </p:spPr>
-        <p:style>
-          <a:lnRef idx="2">
-            <a:schemeClr val="accent6">
-              <a:shade val="50000"/>
-            </a:schemeClr>
-          </a:lnRef>
-          <a:fillRef idx="1">
-            <a:schemeClr val="accent6"/>
-          </a:fillRef>
-          <a:effectRef idx="0">
-            <a:schemeClr val="accent6"/>
-          </a:effectRef>
-          <a:fontRef idx="minor">
-            <a:schemeClr val="lt1"/>
-          </a:fontRef>
-        </p:style>
-        <p:txBody>
-          <a:bodyPr rtlCol="0" anchor="ctr"/>
-          <a:lstStyle/>
-          <a:p>
-            <a:pPr algn="ctr"/>
-            <a:r>
-              <a:rPr lang="en-US" dirty="0" smtClean="0"/>
-              <a:t>Eureka</a:t>
-            </a:r>
-            <a:endParaRPr lang="en-IN" dirty="0"/>
-          </a:p>
-        </p:txBody>
-      </p:sp>
-      <p:cxnSp>
-        <p:nvCxnSpPr>
-          <p:cNvPr id="3" name="Straight Arrow Connector 2"/>
-          <p:cNvCxnSpPr>
-            <a:stCxn id="30" idx="7"/>
-          </p:cNvCxnSpPr>
-          <p:nvPr/>
-        </p:nvCxnSpPr>
-        <p:spPr>
-          <a:xfrm flipV="1">
-            <a:off x="4415088" y="1340769"/>
-            <a:ext cx="949000" cy="1344880"/>
-          </a:xfrm>
-          <a:prstGeom prst="straightConnector1">
-            <a:avLst/>
-          </a:prstGeom>
-          <a:ln>
-            <a:tailEnd type="triangle"/>
-          </a:ln>
-        </p:spPr>
-        <p:style>
-          <a:lnRef idx="1">
-            <a:schemeClr val="accent1"/>
-          </a:lnRef>
-          <a:fillRef idx="0">
-            <a:schemeClr val="accent1"/>
-          </a:fillRef>
-          <a:effectRef idx="0">
-            <a:schemeClr val="accent1"/>
-          </a:effectRef>
-          <a:fontRef idx="minor">
-            <a:schemeClr val="tx1"/>
-          </a:fontRef>
-        </p:style>
-      </p:cxnSp>
-      <p:cxnSp>
-        <p:nvCxnSpPr>
-          <p:cNvPr id="23" name="Straight Arrow Connector 22"/>
-          <p:cNvCxnSpPr/>
-          <p:nvPr/>
-        </p:nvCxnSpPr>
-        <p:spPr>
-          <a:xfrm flipV="1">
-            <a:off x="4644008" y="2237593"/>
-            <a:ext cx="1800200" cy="543335"/>
-          </a:xfrm>
-          <a:prstGeom prst="straightConnector1">
-            <a:avLst/>
-          </a:prstGeom>
-          <a:ln>
-            <a:tailEnd type="triangle"/>
-          </a:ln>
-        </p:spPr>
-        <p:style>
-          <a:lnRef idx="1">
-            <a:schemeClr val="accent1"/>
-          </a:lnRef>
-          <a:fillRef idx="0">
-            <a:schemeClr val="accent1"/>
-          </a:fillRef>
-          <a:effectRef idx="0">
-            <a:schemeClr val="accent1"/>
-          </a:effectRef>
-          <a:fontRef idx="minor">
-            <a:schemeClr val="tx1"/>
-          </a:fontRef>
-        </p:style>
-      </p:cxnSp>
-      <p:cxnSp>
-        <p:nvCxnSpPr>
-          <p:cNvPr id="25" name="Straight Arrow Connector 24"/>
-          <p:cNvCxnSpPr/>
-          <p:nvPr/>
-        </p:nvCxnSpPr>
-        <p:spPr>
-          <a:xfrm>
-            <a:off x="4499992" y="3209700"/>
-            <a:ext cx="1980220" cy="425253"/>
-          </a:xfrm>
-          <a:prstGeom prst="straightConnector1">
-            <a:avLst/>
-          </a:prstGeom>
-          <a:ln>
-            <a:tailEnd type="triangle"/>
-          </a:ln>
-        </p:spPr>
-        <p:style>
-          <a:lnRef idx="1">
-            <a:schemeClr val="accent1"/>
-          </a:lnRef>
-          <a:fillRef idx="0">
-            <a:schemeClr val="accent1"/>
-          </a:fillRef>
-          <a:effectRef idx="0">
-            <a:schemeClr val="accent1"/>
-          </a:effectRef>
-          <a:fontRef idx="minor">
-            <a:schemeClr val="tx1"/>
-          </a:fontRef>
-        </p:style>
-      </p:cxnSp>
-      <p:cxnSp>
-        <p:nvCxnSpPr>
-          <p:cNvPr id="29" name="Straight Arrow Connector 28"/>
-          <p:cNvCxnSpPr/>
-          <p:nvPr/>
-        </p:nvCxnSpPr>
-        <p:spPr>
-          <a:xfrm>
-            <a:off x="4283968" y="3298641"/>
-            <a:ext cx="2196244" cy="1639251"/>
-          </a:xfrm>
-          <a:prstGeom prst="straightConnector1">
-            <a:avLst/>
-          </a:prstGeom>
-          <a:ln>
-            <a:tailEnd type="triangle"/>
-          </a:ln>
-        </p:spPr>
-        <p:style>
-          <a:lnRef idx="1">
-            <a:schemeClr val="accent1"/>
-          </a:lnRef>
-          <a:fillRef idx="0">
-            <a:schemeClr val="accent1"/>
-          </a:fillRef>
-          <a:effectRef idx="0">
-            <a:schemeClr val="accent1"/>
-          </a:effectRef>
-          <a:fontRef idx="minor">
-            <a:schemeClr val="tx1"/>
-          </a:fontRef>
-        </p:style>
-      </p:cxnSp>
-      <p:cxnSp>
-        <p:nvCxnSpPr>
-          <p:cNvPr id="31" name="Straight Arrow Connector 30"/>
-          <p:cNvCxnSpPr/>
-          <p:nvPr/>
-        </p:nvCxnSpPr>
-        <p:spPr>
-          <a:xfrm>
-            <a:off x="3880360" y="3306573"/>
-            <a:ext cx="2599852" cy="2642707"/>
-          </a:xfrm>
-          <a:prstGeom prst="straightConnector1">
-            <a:avLst/>
-          </a:prstGeom>
-          <a:ln>
-            <a:tailEnd type="triangle"/>
-          </a:ln>
-        </p:spPr>
-        <p:style>
-          <a:lnRef idx="1">
-            <a:schemeClr val="accent1"/>
-          </a:lnRef>
-          <a:fillRef idx="0">
-            <a:schemeClr val="accent1"/>
-          </a:fillRef>
-          <a:effectRef idx="0">
-            <a:schemeClr val="accent1"/>
-          </a:effectRef>
-          <a:fontRef idx="minor">
-            <a:schemeClr val="tx1"/>
-          </a:fontRef>
-        </p:style>
-      </p:cxnSp>
-      <p:sp>
-        <p:nvSpPr>
-          <p:cNvPr id="27" name="Rectangle 26"/>
-          <p:cNvSpPr/>
-          <p:nvPr/>
-        </p:nvSpPr>
-        <p:spPr>
-          <a:xfrm>
-            <a:off x="3080846" y="2237593"/>
-            <a:ext cx="1203122" cy="344244"/>
-          </a:xfrm>
-          <a:prstGeom prst="rect">
-            <a:avLst/>
-          </a:prstGeom>
-        </p:spPr>
-        <p:style>
-          <a:lnRef idx="2">
-            <a:schemeClr val="accent1">
-              <a:shade val="50000"/>
-            </a:schemeClr>
-          </a:lnRef>
-          <a:fillRef idx="1">
-            <a:schemeClr val="accent1"/>
-          </a:fillRef>
-          <a:effectRef idx="0">
-            <a:schemeClr val="accent1"/>
-          </a:effectRef>
-          <a:fontRef idx="minor">
-            <a:schemeClr val="lt1"/>
-          </a:fontRef>
-        </p:style>
-        <p:txBody>
-          <a:bodyPr rtlCol="0" anchor="ctr"/>
-          <a:lstStyle/>
-          <a:p>
-            <a:pPr algn="ctr"/>
-            <a:r>
-              <a:rPr lang="en-US" dirty="0" smtClean="0"/>
-              <a:t>5 times</a:t>
-            </a:r>
-            <a:endParaRPr lang="en-IN" dirty="0"/>
-          </a:p>
-        </p:txBody>
-      </p:sp>
-      <p:sp>
-        <p:nvSpPr>
-          <p:cNvPr id="35" name="Rectangle 34"/>
-          <p:cNvSpPr/>
-          <p:nvPr/>
-        </p:nvSpPr>
-        <p:spPr>
-          <a:xfrm>
-            <a:off x="7642963" y="1941663"/>
-            <a:ext cx="1296144" cy="936104"/>
-          </a:xfrm>
-          <a:prstGeom prst="rect">
-            <a:avLst/>
-          </a:prstGeom>
-        </p:spPr>
-        <p:style>
-          <a:lnRef idx="2">
-            <a:schemeClr val="accent1">
-              <a:shade val="50000"/>
-            </a:schemeClr>
-          </a:lnRef>
-          <a:fillRef idx="1">
-            <a:schemeClr val="accent1"/>
-          </a:fillRef>
-          <a:effectRef idx="0">
-            <a:schemeClr val="accent1"/>
-          </a:effectRef>
-          <a:fontRef idx="minor">
-            <a:schemeClr val="lt1"/>
-          </a:fontRef>
-        </p:style>
-        <p:txBody>
-          <a:bodyPr rtlCol="0" anchor="ctr"/>
-          <a:lstStyle/>
-          <a:p>
-            <a:pPr algn="ctr"/>
-            <a:r>
-              <a:rPr lang="en-US" dirty="0" smtClean="0"/>
-              <a:t>articles</a:t>
+              <a:t>Down</a:t>
             </a:r>
             <a:endParaRPr lang="en-IN" dirty="0"/>
           </a:p>
@@ -4607,6 +4242,650 @@
           <a:chExt cx="0" cy="0"/>
         </a:xfrm>
       </p:grpSpPr>
+      <p:sp>
+        <p:nvSpPr>
+          <p:cNvPr id="4" name="Rectangle 3"/>
+          <p:cNvSpPr/>
+          <p:nvPr/>
+        </p:nvSpPr>
+        <p:spPr>
+          <a:xfrm>
+            <a:off x="6516216" y="270027"/>
+            <a:ext cx="1296144" cy="936104"/>
+          </a:xfrm>
+          <a:prstGeom prst="rect">
+            <a:avLst/>
+          </a:prstGeom>
+        </p:spPr>
+        <p:style>
+          <a:lnRef idx="2">
+            <a:schemeClr val="accent1">
+              <a:shade val="50000"/>
+            </a:schemeClr>
+          </a:lnRef>
+          <a:fillRef idx="1">
+            <a:schemeClr val="accent1"/>
+          </a:fillRef>
+          <a:effectRef idx="0">
+            <a:schemeClr val="accent1"/>
+          </a:effectRef>
+          <a:fontRef idx="minor">
+            <a:schemeClr val="lt1"/>
+          </a:fontRef>
+        </p:style>
+        <p:txBody>
+          <a:bodyPr rtlCol="0" anchor="ctr"/>
+          <a:lstStyle/>
+          <a:p>
+            <a:pPr algn="ctr"/>
+            <a:r>
+              <a:rPr lang="en-US" dirty="0" smtClean="0"/>
+              <a:t>Noun</a:t>
+            </a:r>
+            <a:endParaRPr lang="en-IN" dirty="0"/>
+          </a:p>
+        </p:txBody>
+      </p:sp>
+      <p:sp>
+        <p:nvSpPr>
+          <p:cNvPr id="5" name="Rectangle 4"/>
+          <p:cNvSpPr/>
+          <p:nvPr/>
+        </p:nvSpPr>
+        <p:spPr>
+          <a:xfrm>
+            <a:off x="6516216" y="1645733"/>
+            <a:ext cx="1296144" cy="936104"/>
+          </a:xfrm>
+          <a:prstGeom prst="rect">
+            <a:avLst/>
+          </a:prstGeom>
+        </p:spPr>
+        <p:style>
+          <a:lnRef idx="2">
+            <a:schemeClr val="accent1">
+              <a:shade val="50000"/>
+            </a:schemeClr>
+          </a:lnRef>
+          <a:fillRef idx="1">
+            <a:schemeClr val="accent1"/>
+          </a:fillRef>
+          <a:effectRef idx="0">
+            <a:schemeClr val="accent1"/>
+          </a:effectRef>
+          <a:fontRef idx="minor">
+            <a:schemeClr val="lt1"/>
+          </a:fontRef>
+        </p:style>
+        <p:txBody>
+          <a:bodyPr rtlCol="0" anchor="ctr"/>
+          <a:lstStyle/>
+          <a:p>
+            <a:pPr algn="ctr"/>
+            <a:r>
+              <a:rPr lang="en-US" dirty="0" smtClean="0"/>
+              <a:t>articles</a:t>
+            </a:r>
+            <a:endParaRPr lang="en-IN" dirty="0"/>
+          </a:p>
+        </p:txBody>
+      </p:sp>
+      <p:sp>
+        <p:nvSpPr>
+          <p:cNvPr id="6" name="Rectangle 5"/>
+          <p:cNvSpPr/>
+          <p:nvPr/>
+        </p:nvSpPr>
+        <p:spPr>
+          <a:xfrm>
+            <a:off x="6480212" y="3010609"/>
+            <a:ext cx="1296144" cy="936104"/>
+          </a:xfrm>
+          <a:prstGeom prst="rect">
+            <a:avLst/>
+          </a:prstGeom>
+        </p:spPr>
+        <p:style>
+          <a:lnRef idx="2">
+            <a:schemeClr val="accent1">
+              <a:shade val="50000"/>
+            </a:schemeClr>
+          </a:lnRef>
+          <a:fillRef idx="1">
+            <a:schemeClr val="accent1"/>
+          </a:fillRef>
+          <a:effectRef idx="0">
+            <a:schemeClr val="accent1"/>
+          </a:effectRef>
+          <a:fontRef idx="minor">
+            <a:schemeClr val="lt1"/>
+          </a:fontRef>
+        </p:style>
+        <p:txBody>
+          <a:bodyPr rtlCol="0" anchor="ctr"/>
+          <a:lstStyle/>
+          <a:p>
+            <a:pPr algn="ctr"/>
+            <a:r>
+              <a:rPr lang="en-US" dirty="0" smtClean="0"/>
+              <a:t>adjective</a:t>
+            </a:r>
+            <a:endParaRPr lang="en-IN" dirty="0"/>
+          </a:p>
+        </p:txBody>
+      </p:sp>
+      <p:sp>
+        <p:nvSpPr>
+          <p:cNvPr id="7" name="Rectangle 6"/>
+          <p:cNvSpPr/>
+          <p:nvPr/>
+        </p:nvSpPr>
+        <p:spPr>
+          <a:xfrm>
+            <a:off x="6516216" y="4329100"/>
+            <a:ext cx="1296144" cy="936104"/>
+          </a:xfrm>
+          <a:prstGeom prst="rect">
+            <a:avLst/>
+          </a:prstGeom>
+        </p:spPr>
+        <p:style>
+          <a:lnRef idx="2">
+            <a:schemeClr val="accent1">
+              <a:shade val="50000"/>
+            </a:schemeClr>
+          </a:lnRef>
+          <a:fillRef idx="1">
+            <a:schemeClr val="accent1"/>
+          </a:fillRef>
+          <a:effectRef idx="0">
+            <a:schemeClr val="accent1"/>
+          </a:effectRef>
+          <a:fontRef idx="minor">
+            <a:schemeClr val="lt1"/>
+          </a:fontRef>
+        </p:style>
+        <p:txBody>
+          <a:bodyPr rtlCol="0" anchor="ctr"/>
+          <a:lstStyle/>
+          <a:p>
+            <a:pPr algn="ctr"/>
+            <a:r>
+              <a:rPr lang="en-US" dirty="0" smtClean="0"/>
+              <a:t>Verb</a:t>
+            </a:r>
+            <a:endParaRPr lang="en-IN" dirty="0"/>
+          </a:p>
+        </p:txBody>
+      </p:sp>
+      <p:sp>
+        <p:nvSpPr>
+          <p:cNvPr id="8" name="Rectangle 7"/>
+          <p:cNvSpPr/>
+          <p:nvPr/>
+        </p:nvSpPr>
+        <p:spPr>
+          <a:xfrm>
+            <a:off x="6516216" y="5659110"/>
+            <a:ext cx="1296144" cy="936104"/>
+          </a:xfrm>
+          <a:prstGeom prst="rect">
+            <a:avLst/>
+          </a:prstGeom>
+        </p:spPr>
+        <p:style>
+          <a:lnRef idx="2">
+            <a:schemeClr val="accent1">
+              <a:shade val="50000"/>
+            </a:schemeClr>
+          </a:lnRef>
+          <a:fillRef idx="1">
+            <a:schemeClr val="accent1"/>
+          </a:fillRef>
+          <a:effectRef idx="0">
+            <a:schemeClr val="accent1"/>
+          </a:effectRef>
+          <a:fontRef idx="minor">
+            <a:schemeClr val="lt1"/>
+          </a:fontRef>
+        </p:style>
+        <p:txBody>
+          <a:bodyPr rtlCol="0" anchor="ctr"/>
+          <a:lstStyle/>
+          <a:p>
+            <a:pPr algn="ctr"/>
+            <a:r>
+              <a:rPr lang="en-US" dirty="0" smtClean="0"/>
+              <a:t>Subject</a:t>
+            </a:r>
+            <a:endParaRPr lang="en-IN" dirty="0"/>
+          </a:p>
+        </p:txBody>
+      </p:sp>
+      <p:sp>
+        <p:nvSpPr>
+          <p:cNvPr id="9" name="Rectangle 8"/>
+          <p:cNvSpPr/>
+          <p:nvPr/>
+        </p:nvSpPr>
+        <p:spPr>
+          <a:xfrm>
+            <a:off x="5580112" y="116632"/>
+            <a:ext cx="1296144" cy="936104"/>
+          </a:xfrm>
+          <a:prstGeom prst="rect">
+            <a:avLst/>
+          </a:prstGeom>
+          <a:solidFill>
+            <a:schemeClr val="accent1"/>
+          </a:solidFill>
+        </p:spPr>
+        <p:style>
+          <a:lnRef idx="2">
+            <a:schemeClr val="accent1">
+              <a:shade val="50000"/>
+            </a:schemeClr>
+          </a:lnRef>
+          <a:fillRef idx="1">
+            <a:schemeClr val="accent1"/>
+          </a:fillRef>
+          <a:effectRef idx="0">
+            <a:schemeClr val="accent1"/>
+          </a:effectRef>
+          <a:fontRef idx="minor">
+            <a:schemeClr val="lt1"/>
+          </a:fontRef>
+        </p:style>
+        <p:txBody>
+          <a:bodyPr rtlCol="0" anchor="ctr"/>
+          <a:lstStyle/>
+          <a:p>
+            <a:pPr algn="ctr"/>
+            <a:r>
+              <a:rPr lang="en-US" dirty="0"/>
+              <a:t>Noun</a:t>
+            </a:r>
+            <a:endParaRPr lang="en-IN" dirty="0"/>
+          </a:p>
+        </p:txBody>
+      </p:sp>
+      <p:sp>
+        <p:nvSpPr>
+          <p:cNvPr id="10" name="Rectangle 9"/>
+          <p:cNvSpPr/>
+          <p:nvPr/>
+        </p:nvSpPr>
+        <p:spPr>
+          <a:xfrm>
+            <a:off x="4499992" y="404664"/>
+            <a:ext cx="1296144" cy="936104"/>
+          </a:xfrm>
+          <a:prstGeom prst="rect">
+            <a:avLst/>
+          </a:prstGeom>
+        </p:spPr>
+        <p:style>
+          <a:lnRef idx="2">
+            <a:schemeClr val="accent1">
+              <a:shade val="50000"/>
+            </a:schemeClr>
+          </a:lnRef>
+          <a:fillRef idx="1">
+            <a:schemeClr val="accent1"/>
+          </a:fillRef>
+          <a:effectRef idx="0">
+            <a:schemeClr val="accent1"/>
+          </a:effectRef>
+          <a:fontRef idx="minor">
+            <a:schemeClr val="lt1"/>
+          </a:fontRef>
+        </p:style>
+        <p:txBody>
+          <a:bodyPr rtlCol="0" anchor="ctr"/>
+          <a:lstStyle/>
+          <a:p>
+            <a:pPr algn="ctr"/>
+            <a:r>
+              <a:rPr lang="en-US" dirty="0"/>
+              <a:t>Noun</a:t>
+            </a:r>
+            <a:endParaRPr lang="en-IN" dirty="0"/>
+          </a:p>
+        </p:txBody>
+      </p:sp>
+      <p:sp>
+        <p:nvSpPr>
+          <p:cNvPr id="30" name="Oval 29"/>
+          <p:cNvSpPr/>
+          <p:nvPr/>
+        </p:nvSpPr>
+        <p:spPr>
+          <a:xfrm>
+            <a:off x="3080846" y="2581837"/>
+            <a:ext cx="1563162" cy="708872"/>
+          </a:xfrm>
+          <a:prstGeom prst="ellipse">
+            <a:avLst/>
+          </a:prstGeom>
+        </p:spPr>
+        <p:style>
+          <a:lnRef idx="2">
+            <a:schemeClr val="accent1">
+              <a:shade val="50000"/>
+            </a:schemeClr>
+          </a:lnRef>
+          <a:fillRef idx="1">
+            <a:schemeClr val="accent1"/>
+          </a:fillRef>
+          <a:effectRef idx="0">
+            <a:schemeClr val="accent1"/>
+          </a:effectRef>
+          <a:fontRef idx="minor">
+            <a:schemeClr val="lt1"/>
+          </a:fontRef>
+        </p:style>
+        <p:txBody>
+          <a:bodyPr rtlCol="0" anchor="ctr"/>
+          <a:lstStyle/>
+          <a:p>
+            <a:pPr algn="ctr"/>
+            <a:r>
+              <a:rPr lang="en-US" dirty="0" smtClean="0"/>
+              <a:t>Sentence</a:t>
+            </a:r>
+            <a:endParaRPr lang="en-IN" dirty="0"/>
+          </a:p>
+        </p:txBody>
+      </p:sp>
+      <p:cxnSp>
+        <p:nvCxnSpPr>
+          <p:cNvPr id="3" name="Straight Arrow Connector 2"/>
+          <p:cNvCxnSpPr>
+            <a:stCxn id="30" idx="7"/>
+          </p:cNvCxnSpPr>
+          <p:nvPr/>
+        </p:nvCxnSpPr>
+        <p:spPr>
+          <a:xfrm flipV="1">
+            <a:off x="4415088" y="1340769"/>
+            <a:ext cx="949000" cy="1344880"/>
+          </a:xfrm>
+          <a:prstGeom prst="straightConnector1">
+            <a:avLst/>
+          </a:prstGeom>
+          <a:ln>
+            <a:tailEnd type="triangle"/>
+          </a:ln>
+        </p:spPr>
+        <p:style>
+          <a:lnRef idx="1">
+            <a:schemeClr val="accent1"/>
+          </a:lnRef>
+          <a:fillRef idx="0">
+            <a:schemeClr val="accent1"/>
+          </a:fillRef>
+          <a:effectRef idx="0">
+            <a:schemeClr val="accent1"/>
+          </a:effectRef>
+          <a:fontRef idx="minor">
+            <a:schemeClr val="tx1"/>
+          </a:fontRef>
+        </p:style>
+      </p:cxnSp>
+      <p:cxnSp>
+        <p:nvCxnSpPr>
+          <p:cNvPr id="23" name="Straight Arrow Connector 22"/>
+          <p:cNvCxnSpPr/>
+          <p:nvPr/>
+        </p:nvCxnSpPr>
+        <p:spPr>
+          <a:xfrm flipV="1">
+            <a:off x="4644008" y="2237593"/>
+            <a:ext cx="1800200" cy="543335"/>
+          </a:xfrm>
+          <a:prstGeom prst="straightConnector1">
+            <a:avLst/>
+          </a:prstGeom>
+          <a:ln>
+            <a:tailEnd type="triangle"/>
+          </a:ln>
+        </p:spPr>
+        <p:style>
+          <a:lnRef idx="1">
+            <a:schemeClr val="accent1"/>
+          </a:lnRef>
+          <a:fillRef idx="0">
+            <a:schemeClr val="accent1"/>
+          </a:fillRef>
+          <a:effectRef idx="0">
+            <a:schemeClr val="accent1"/>
+          </a:effectRef>
+          <a:fontRef idx="minor">
+            <a:schemeClr val="tx1"/>
+          </a:fontRef>
+        </p:style>
+      </p:cxnSp>
+      <p:cxnSp>
+        <p:nvCxnSpPr>
+          <p:cNvPr id="25" name="Straight Arrow Connector 24"/>
+          <p:cNvCxnSpPr/>
+          <p:nvPr/>
+        </p:nvCxnSpPr>
+        <p:spPr>
+          <a:xfrm>
+            <a:off x="4499992" y="3209700"/>
+            <a:ext cx="1980220" cy="425253"/>
+          </a:xfrm>
+          <a:prstGeom prst="straightConnector1">
+            <a:avLst/>
+          </a:prstGeom>
+          <a:ln>
+            <a:tailEnd type="triangle"/>
+          </a:ln>
+        </p:spPr>
+        <p:style>
+          <a:lnRef idx="1">
+            <a:schemeClr val="accent1"/>
+          </a:lnRef>
+          <a:fillRef idx="0">
+            <a:schemeClr val="accent1"/>
+          </a:fillRef>
+          <a:effectRef idx="0">
+            <a:schemeClr val="accent1"/>
+          </a:effectRef>
+          <a:fontRef idx="minor">
+            <a:schemeClr val="tx1"/>
+          </a:fontRef>
+        </p:style>
+      </p:cxnSp>
+      <p:cxnSp>
+        <p:nvCxnSpPr>
+          <p:cNvPr id="29" name="Straight Arrow Connector 28"/>
+          <p:cNvCxnSpPr/>
+          <p:nvPr/>
+        </p:nvCxnSpPr>
+        <p:spPr>
+          <a:xfrm>
+            <a:off x="4283968" y="3298641"/>
+            <a:ext cx="2196244" cy="1639251"/>
+          </a:xfrm>
+          <a:prstGeom prst="straightConnector1">
+            <a:avLst/>
+          </a:prstGeom>
+          <a:ln>
+            <a:tailEnd type="triangle"/>
+          </a:ln>
+        </p:spPr>
+        <p:style>
+          <a:lnRef idx="1">
+            <a:schemeClr val="accent1"/>
+          </a:lnRef>
+          <a:fillRef idx="0">
+            <a:schemeClr val="accent1"/>
+          </a:fillRef>
+          <a:effectRef idx="0">
+            <a:schemeClr val="accent1"/>
+          </a:effectRef>
+          <a:fontRef idx="minor">
+            <a:schemeClr val="tx1"/>
+          </a:fontRef>
+        </p:style>
+      </p:cxnSp>
+      <p:cxnSp>
+        <p:nvCxnSpPr>
+          <p:cNvPr id="31" name="Straight Arrow Connector 30"/>
+          <p:cNvCxnSpPr/>
+          <p:nvPr/>
+        </p:nvCxnSpPr>
+        <p:spPr>
+          <a:xfrm>
+            <a:off x="3880360" y="3306573"/>
+            <a:ext cx="2599852" cy="2642707"/>
+          </a:xfrm>
+          <a:prstGeom prst="straightConnector1">
+            <a:avLst/>
+          </a:prstGeom>
+          <a:ln>
+            <a:tailEnd type="triangle"/>
+          </a:ln>
+        </p:spPr>
+        <p:style>
+          <a:lnRef idx="1">
+            <a:schemeClr val="accent1"/>
+          </a:lnRef>
+          <a:fillRef idx="0">
+            <a:schemeClr val="accent1"/>
+          </a:fillRef>
+          <a:effectRef idx="0">
+            <a:schemeClr val="accent1"/>
+          </a:effectRef>
+          <a:fontRef idx="minor">
+            <a:schemeClr val="tx1"/>
+          </a:fontRef>
+        </p:style>
+      </p:cxnSp>
+      <p:sp>
+        <p:nvSpPr>
+          <p:cNvPr id="27" name="Rectangle 26"/>
+          <p:cNvSpPr/>
+          <p:nvPr/>
+        </p:nvSpPr>
+        <p:spPr>
+          <a:xfrm>
+            <a:off x="3080846" y="2237593"/>
+            <a:ext cx="1203122" cy="344244"/>
+          </a:xfrm>
+          <a:prstGeom prst="rect">
+            <a:avLst/>
+          </a:prstGeom>
+        </p:spPr>
+        <p:style>
+          <a:lnRef idx="2">
+            <a:schemeClr val="accent1">
+              <a:shade val="50000"/>
+            </a:schemeClr>
+          </a:lnRef>
+          <a:fillRef idx="1">
+            <a:schemeClr val="accent1"/>
+          </a:fillRef>
+          <a:effectRef idx="0">
+            <a:schemeClr val="accent1"/>
+          </a:effectRef>
+          <a:fontRef idx="minor">
+            <a:schemeClr val="lt1"/>
+          </a:fontRef>
+        </p:style>
+        <p:txBody>
+          <a:bodyPr rtlCol="0" anchor="ctr"/>
+          <a:lstStyle/>
+          <a:p>
+            <a:pPr algn="ctr"/>
+            <a:r>
+              <a:rPr lang="en-US" dirty="0" smtClean="0"/>
+              <a:t>5 </a:t>
+            </a:r>
+            <a:r>
+              <a:rPr lang="en-US" dirty="0" err="1" smtClean="0"/>
+              <a:t>imes</a:t>
+            </a:r>
+            <a:endParaRPr lang="en-IN" dirty="0"/>
+          </a:p>
+        </p:txBody>
+      </p:sp>
+      <p:sp>
+        <p:nvSpPr>
+          <p:cNvPr id="35" name="Rectangle 34"/>
+          <p:cNvSpPr/>
+          <p:nvPr/>
+        </p:nvSpPr>
+        <p:spPr>
+          <a:xfrm>
+            <a:off x="7642963" y="1941663"/>
+            <a:ext cx="1296144" cy="936104"/>
+          </a:xfrm>
+          <a:prstGeom prst="rect">
+            <a:avLst/>
+          </a:prstGeom>
+        </p:spPr>
+        <p:style>
+          <a:lnRef idx="2">
+            <a:schemeClr val="accent1">
+              <a:shade val="50000"/>
+            </a:schemeClr>
+          </a:lnRef>
+          <a:fillRef idx="1">
+            <a:schemeClr val="accent1"/>
+          </a:fillRef>
+          <a:effectRef idx="0">
+            <a:schemeClr val="accent1"/>
+          </a:effectRef>
+          <a:fontRef idx="minor">
+            <a:schemeClr val="lt1"/>
+          </a:fontRef>
+        </p:style>
+        <p:txBody>
+          <a:bodyPr rtlCol="0" anchor="ctr"/>
+          <a:lstStyle/>
+          <a:p>
+            <a:pPr algn="ctr"/>
+            <a:r>
+              <a:rPr lang="en-US" dirty="0" smtClean="0"/>
+              <a:t>articles</a:t>
+            </a:r>
+            <a:endParaRPr lang="en-IN" dirty="0"/>
+          </a:p>
+        </p:txBody>
+      </p:sp>
+    </p:spTree>
+    <p:extLst>
+      <p:ext uri="{BB962C8B-B14F-4D97-AF65-F5344CB8AC3E}">
+        <p14:creationId xmlns:p14="http://schemas.microsoft.com/office/powerpoint/2010/main" val="1001635027"/>
+      </p:ext>
+    </p:extLst>
+  </p:cSld>
+  <p:clrMapOvr>
+    <a:masterClrMapping/>
+  </p:clrMapOvr>
+</p:sld>
+</file>
+
+<file path=ppt/slides/slide5.xml><?xml version="1.0" encoding="utf-8"?>
+<p:sld xmlns:a="http://schemas.openxmlformats.org/drawingml/2006/main" xmlns:r="http://schemas.openxmlformats.org/officeDocument/2006/relationships" xmlns:p="http://schemas.openxmlformats.org/presentationml/2006/main">
+  <p:cSld>
+    <p:spTree>
+      <p:nvGrpSpPr>
+        <p:cNvPr id="1" name=""/>
+        <p:cNvGrpSpPr/>
+        <p:nvPr/>
+      </p:nvGrpSpPr>
+      <p:grpSpPr>
+        <a:xfrm>
+          <a:off x="0" y="0"/>
+          <a:ext cx="0" cy="0"/>
+          <a:chOff x="0" y="0"/>
+          <a:chExt cx="0" cy="0"/>
+        </a:xfrm>
+      </p:grpSpPr>
       <p:cxnSp>
         <p:nvCxnSpPr>
           <p:cNvPr id="5" name="Straight Connector 4"/>
@@ -4890,7 +5169,7 @@
         </p:nvSpPr>
         <p:spPr>
           <a:xfrm>
-            <a:off x="5429256" y="1857364"/>
+            <a:off x="5415474" y="1874341"/>
             <a:ext cx="1357322" cy="642942"/>
           </a:xfrm>
           <a:prstGeom prst="roundRect">
@@ -4917,8 +5196,8 @@
           <a:p>
             <a:pPr algn="ctr"/>
             <a:r>
-              <a:rPr lang="en-IN" dirty="0" smtClean="0"/>
-              <a:t>discountms</a:t>
+              <a:rPr lang="en-IN" dirty="0" err="1" smtClean="0"/>
+              <a:t>disountms</a:t>
             </a:r>
             <a:endParaRPr lang="en-IN" dirty="0"/>
           </a:p>
@@ -4934,9 +5213,9 @@
           <p:nvPr/>
         </p:nvCxnSpPr>
         <p:spPr>
-          <a:xfrm rot="5400000">
-            <a:off x="1982373" y="1589472"/>
-            <a:ext cx="3214710" cy="5036379"/>
+          <a:xfrm flipH="1">
+            <a:off x="1071538" y="2517283"/>
+            <a:ext cx="5022597" cy="3197733"/>
           </a:xfrm>
           <a:prstGeom prst="straightConnector1">
             <a:avLst/>
@@ -4971,9 +5250,9 @@
           <p:nvPr/>
         </p:nvCxnSpPr>
         <p:spPr>
-          <a:xfrm rot="5400000">
-            <a:off x="2946786" y="2553885"/>
-            <a:ext cx="3214710" cy="3107553"/>
+          <a:xfrm flipH="1">
+            <a:off x="3000364" y="2517283"/>
+            <a:ext cx="3093771" cy="3197733"/>
           </a:xfrm>
           <a:prstGeom prst="straightConnector1">
             <a:avLst/>
@@ -5047,7 +5326,7 @@
         <p:spPr>
           <a:xfrm>
             <a:off x="4071934" y="2178835"/>
-            <a:ext cx="1357322" cy="1588"/>
+            <a:ext cx="1343540" cy="16977"/>
           </a:xfrm>
           <a:prstGeom prst="straightConnector1">
             <a:avLst/>
@@ -5163,7 +5442,7 @@
         </p:nvSpPr>
         <p:spPr>
           <a:xfrm>
-            <a:off x="285720" y="1857364"/>
+            <a:off x="254073" y="1891319"/>
             <a:ext cx="1357322" cy="642942"/>
           </a:xfrm>
           <a:prstGeom prst="roundRect">
@@ -5207,9 +5486,9 @@
           <p:nvPr/>
         </p:nvCxnSpPr>
         <p:spPr>
-          <a:xfrm rot="16200000" flipH="1">
-            <a:off x="-589396" y="4054082"/>
-            <a:ext cx="3214710" cy="107157"/>
+          <a:xfrm>
+            <a:off x="932734" y="2534261"/>
+            <a:ext cx="138804" cy="3180755"/>
           </a:xfrm>
           <a:prstGeom prst="straightConnector1">
             <a:avLst/>
@@ -5244,9 +5523,9 @@
           <p:nvPr/>
         </p:nvCxnSpPr>
         <p:spPr>
-          <a:xfrm rot="16200000" flipH="1">
-            <a:off x="375017" y="3089669"/>
-            <a:ext cx="3214710" cy="2035983"/>
+          <a:xfrm>
+            <a:off x="932734" y="2534261"/>
+            <a:ext cx="2067630" cy="3180755"/>
           </a:xfrm>
           <a:prstGeom prst="straightConnector1">
             <a:avLst/>
@@ -5281,9 +5560,9 @@
           <p:nvPr/>
         </p:nvCxnSpPr>
         <p:spPr>
-          <a:xfrm>
-            <a:off x="1643042" y="2178835"/>
-            <a:ext cx="1071570" cy="1588"/>
+          <a:xfrm flipV="1">
+            <a:off x="1611395" y="2178835"/>
+            <a:ext cx="1103217" cy="33955"/>
           </a:xfrm>
           <a:prstGeom prst="straightConnector1">
             <a:avLst/>
@@ -5359,9 +5638,9 @@
           <p:nvPr/>
         </p:nvCxnSpPr>
         <p:spPr>
-          <a:xfrm rot="16200000" flipH="1">
-            <a:off x="1321571" y="2143116"/>
-            <a:ext cx="3214710" cy="3929090"/>
+          <a:xfrm>
+            <a:off x="932734" y="2534261"/>
+            <a:ext cx="3960737" cy="3180755"/>
           </a:xfrm>
           <a:prstGeom prst="straightConnector1">
             <a:avLst/>
@@ -5433,9 +5712,9 @@
           <p:nvPr/>
         </p:nvCxnSpPr>
         <p:spPr>
-          <a:xfrm rot="5400000">
-            <a:off x="3893339" y="3500438"/>
-            <a:ext cx="3214710" cy="1214446"/>
+          <a:xfrm flipH="1">
+            <a:off x="4893471" y="2517283"/>
+            <a:ext cx="1200664" cy="3197733"/>
           </a:xfrm>
           <a:prstGeom prst="straightConnector1">
             <a:avLst/>
@@ -5549,9 +5828,9 @@
           <p:nvPr/>
         </p:nvCxnSpPr>
         <p:spPr>
-          <a:xfrm rot="16200000" flipH="1">
-            <a:off x="3393273" y="71414"/>
-            <a:ext cx="2143140" cy="7000924"/>
+          <a:xfrm>
+            <a:off x="932734" y="2534261"/>
+            <a:ext cx="7032571" cy="2109185"/>
           </a:xfrm>
           <a:prstGeom prst="straightConnector1">
             <a:avLst/>
@@ -5623,9 +5902,9 @@
           <p:nvPr/>
         </p:nvCxnSpPr>
         <p:spPr>
-          <a:xfrm rot="16200000" flipH="1">
-            <a:off x="5965041" y="2643182"/>
-            <a:ext cx="2143140" cy="1857388"/>
+          <a:xfrm>
+            <a:off x="6094135" y="2517283"/>
+            <a:ext cx="1871170" cy="2126163"/>
           </a:xfrm>
           <a:prstGeom prst="straightConnector1">
             <a:avLst/>
@@ -5950,8 +6229,8 @@
         </p:nvCxnSpPr>
         <p:spPr>
           <a:xfrm>
-            <a:off x="6786578" y="2178835"/>
-            <a:ext cx="1178727" cy="2464611"/>
+            <a:off x="6772796" y="2195812"/>
+            <a:ext cx="1192509" cy="2447634"/>
           </a:xfrm>
           <a:prstGeom prst="straightConnector1">
             <a:avLst/>
@@ -6125,6 +6404,60 @@
         </p:style>
       </p:cxnSp>
     </p:spTree>
+  </p:cSld>
+  <p:clrMapOvr>
+    <a:masterClrMapping/>
+  </p:clrMapOvr>
+</p:sld>
+</file>
+
+<file path=ppt/slides/slide6.xml><?xml version="1.0" encoding="utf-8"?>
+<p:sld xmlns:a="http://schemas.openxmlformats.org/drawingml/2006/main" xmlns:r="http://schemas.openxmlformats.org/officeDocument/2006/relationships" xmlns:p="http://schemas.openxmlformats.org/presentationml/2006/main">
+  <p:cSld>
+    <p:spTree>
+      <p:nvGrpSpPr>
+        <p:cNvPr id="1" name=""/>
+        <p:cNvGrpSpPr/>
+        <p:nvPr/>
+      </p:nvGrpSpPr>
+      <p:grpSpPr>
+        <a:xfrm>
+          <a:off x="0" y="0"/>
+          <a:ext cx="0" cy="0"/>
+          <a:chOff x="0" y="0"/>
+          <a:chExt cx="0" cy="0"/>
+        </a:xfrm>
+      </p:grpSpPr>
+      <p:pic>
+        <p:nvPicPr>
+          <p:cNvPr id="5" name="Picture 4"/>
+          <p:cNvPicPr>
+            <a:picLocks noChangeAspect="1"/>
+          </p:cNvPicPr>
+          <p:nvPr/>
+        </p:nvPicPr>
+        <p:blipFill>
+          <a:blip r:embed="rId2"/>
+          <a:stretch>
+            <a:fillRect/>
+          </a:stretch>
+        </p:blipFill>
+        <p:spPr>
+          <a:xfrm>
+            <a:off x="-1" y="0"/>
+            <a:ext cx="9144001" cy="6858000"/>
+          </a:xfrm>
+          <a:prstGeom prst="rect">
+            <a:avLst/>
+          </a:prstGeom>
+        </p:spPr>
+      </p:pic>
+    </p:spTree>
+    <p:extLst>
+      <p:ext uri="{BB962C8B-B14F-4D97-AF65-F5344CB8AC3E}">
+        <p14:creationId xmlns:p14="http://schemas.microsoft.com/office/powerpoint/2010/main" val="1262029892"/>
+      </p:ext>
+    </p:extLst>
   </p:cSld>
   <p:clrMapOvr>
     <a:masterClrMapping/>
